--- a/20210615_sensehat_compass/20210615-2_ICT同好会.pptx
+++ b/20210615_sensehat_compass/20210615-2_ICT同好会.pptx
@@ -22,7 +22,7 @@
     <p:sldId id="269" r:id="rId17"/>
   </p:sldIdLst>
   <p:sldSz cx="9144000" cy="5143500"/>
-  <p:notesSz cx="6858000" cy="9144000"/>
+  <p:notesSz cx="7559675" cy="10691812"/>
 </p:presentation>
 </file>
 
@@ -67,7 +67,7 @@
       </p:grpSpPr>
       <p:sp>
         <p:nvSpPr>
-          <p:cNvPr id="24" name="PlaceHolder 1"/>
+          <p:cNvPr id="23" name="PlaceHolder 1"/>
           <p:cNvSpPr>
             <a:spLocks noGrp="1"/>
           </p:cNvSpPr>
@@ -77,8 +77,8 @@
         </p:nvSpPr>
         <p:spPr>
           <a:xfrm>
-            <a:off x="311760" y="444960"/>
-            <a:ext cx="8520120" cy="572400"/>
+            <a:off x="311760" y="418320"/>
+            <a:ext cx="8519760" cy="625320"/>
           </a:xfrm>
           <a:prstGeom prst="rect">
             <a:avLst/>
@@ -89,18 +89,16 @@
             <a:noAutofit/>
           </a:bodyPr>
           <a:p>
-            <a:endParaRPr b="0" lang="en-US" sz="1400" spc="-1" strike="noStrike">
-              <a:solidFill>
-                <a:srgbClr val="000000"/>
-              </a:solidFill>
-              <a:latin typeface="Arial"/>
-            </a:endParaRPr>
-          </a:p>
-        </p:txBody>
-      </p:sp>
-      <p:sp>
-        <p:nvSpPr>
-          <p:cNvPr id="25" name="PlaceHolder 2"/>
+            <a:pPr algn="ctr"/>
+            <a:endParaRPr b="0" lang="en-US" sz="4400" spc="-1" strike="noStrike">
+              <a:latin typeface="Arial"/>
+            </a:endParaRPr>
+          </a:p>
+        </p:txBody>
+      </p:sp>
+      <p:sp>
+        <p:nvSpPr>
+          <p:cNvPr id="24" name="PlaceHolder 2"/>
           <p:cNvSpPr>
             <a:spLocks noGrp="1"/>
           </p:cNvSpPr>
@@ -111,7 +109,7 @@
         <p:spPr>
           <a:xfrm>
             <a:off x="311760" y="1152360"/>
-            <a:ext cx="8520120" cy="1629360"/>
+            <a:ext cx="8519760" cy="1629000"/>
           </a:xfrm>
           <a:prstGeom prst="rect">
             <a:avLst/>
@@ -122,18 +120,15 @@
             <a:normAutofit/>
           </a:bodyPr>
           <a:p>
-            <a:endParaRPr b="0" lang="en-US" sz="1400" spc="-1" strike="noStrike">
-              <a:solidFill>
-                <a:srgbClr val="000000"/>
-              </a:solidFill>
-              <a:latin typeface="Arial"/>
-            </a:endParaRPr>
-          </a:p>
-        </p:txBody>
-      </p:sp>
-      <p:sp>
-        <p:nvSpPr>
-          <p:cNvPr id="26" name="PlaceHolder 3"/>
+            <a:endParaRPr b="0" lang="en-US" sz="3200" spc="-1" strike="noStrike">
+              <a:latin typeface="Arial"/>
+            </a:endParaRPr>
+          </a:p>
+        </p:txBody>
+      </p:sp>
+      <p:sp>
+        <p:nvSpPr>
+          <p:cNvPr id="25" name="PlaceHolder 3"/>
           <p:cNvSpPr>
             <a:spLocks noGrp="1"/>
           </p:cNvSpPr>
@@ -143,8 +138,8 @@
         </p:nvSpPr>
         <p:spPr>
           <a:xfrm>
-            <a:off x="311760" y="2936880"/>
-            <a:ext cx="8520120" cy="1629360"/>
+            <a:off x="311760" y="2936520"/>
+            <a:ext cx="8519760" cy="1629000"/>
           </a:xfrm>
           <a:prstGeom prst="rect">
             <a:avLst/>
@@ -155,10 +150,7 @@
             <a:normAutofit/>
           </a:bodyPr>
           <a:p>
-            <a:endParaRPr b="0" lang="en-US" sz="1400" spc="-1" strike="noStrike">
-              <a:solidFill>
-                <a:srgbClr val="000000"/>
-              </a:solidFill>
+            <a:endParaRPr b="0" lang="en-US" sz="3200" spc="-1" strike="noStrike">
               <a:latin typeface="Arial"/>
             </a:endParaRPr>
           </a:p>
@@ -188,7 +180,7 @@
       </p:grpSpPr>
       <p:sp>
         <p:nvSpPr>
-          <p:cNvPr id="27" name="PlaceHolder 1"/>
+          <p:cNvPr id="26" name="PlaceHolder 1"/>
           <p:cNvSpPr>
             <a:spLocks noGrp="1"/>
           </p:cNvSpPr>
@@ -198,8 +190,8 @@
         </p:nvSpPr>
         <p:spPr>
           <a:xfrm>
-            <a:off x="311760" y="444960"/>
-            <a:ext cx="8520120" cy="572400"/>
+            <a:off x="311760" y="418320"/>
+            <a:ext cx="8519760" cy="625320"/>
           </a:xfrm>
           <a:prstGeom prst="rect">
             <a:avLst/>
@@ -210,18 +202,16 @@
             <a:noAutofit/>
           </a:bodyPr>
           <a:p>
-            <a:endParaRPr b="0" lang="en-US" sz="1400" spc="-1" strike="noStrike">
-              <a:solidFill>
-                <a:srgbClr val="000000"/>
-              </a:solidFill>
-              <a:latin typeface="Arial"/>
-            </a:endParaRPr>
-          </a:p>
-        </p:txBody>
-      </p:sp>
-      <p:sp>
-        <p:nvSpPr>
-          <p:cNvPr id="28" name="PlaceHolder 2"/>
+            <a:pPr algn="ctr"/>
+            <a:endParaRPr b="0" lang="en-US" sz="4400" spc="-1" strike="noStrike">
+              <a:latin typeface="Arial"/>
+            </a:endParaRPr>
+          </a:p>
+        </p:txBody>
+      </p:sp>
+      <p:sp>
+        <p:nvSpPr>
+          <p:cNvPr id="27" name="PlaceHolder 2"/>
           <p:cNvSpPr>
             <a:spLocks noGrp="1"/>
           </p:cNvSpPr>
@@ -232,7 +222,7 @@
         <p:spPr>
           <a:xfrm>
             <a:off x="311760" y="1152360"/>
-            <a:ext cx="4157640" cy="1629360"/>
+            <a:ext cx="4157280" cy="1629000"/>
           </a:xfrm>
           <a:prstGeom prst="rect">
             <a:avLst/>
@@ -243,18 +233,15 @@
             <a:normAutofit/>
           </a:bodyPr>
           <a:p>
-            <a:endParaRPr b="0" lang="en-US" sz="1400" spc="-1" strike="noStrike">
-              <a:solidFill>
-                <a:srgbClr val="000000"/>
-              </a:solidFill>
-              <a:latin typeface="Arial"/>
-            </a:endParaRPr>
-          </a:p>
-        </p:txBody>
-      </p:sp>
-      <p:sp>
-        <p:nvSpPr>
-          <p:cNvPr id="29" name="PlaceHolder 3"/>
+            <a:endParaRPr b="0" lang="en-US" sz="3200" spc="-1" strike="noStrike">
+              <a:latin typeface="Arial"/>
+            </a:endParaRPr>
+          </a:p>
+        </p:txBody>
+      </p:sp>
+      <p:sp>
+        <p:nvSpPr>
+          <p:cNvPr id="28" name="PlaceHolder 3"/>
           <p:cNvSpPr>
             <a:spLocks noGrp="1"/>
           </p:cNvSpPr>
@@ -264,8 +251,8 @@
         </p:nvSpPr>
         <p:spPr>
           <a:xfrm>
-            <a:off x="4677840" y="1152360"/>
-            <a:ext cx="4157640" cy="1629360"/>
+            <a:off x="4677120" y="1152360"/>
+            <a:ext cx="4157280" cy="1629000"/>
           </a:xfrm>
           <a:prstGeom prst="rect">
             <a:avLst/>
@@ -276,18 +263,15 @@
             <a:normAutofit/>
           </a:bodyPr>
           <a:p>
-            <a:endParaRPr b="0" lang="en-US" sz="1400" spc="-1" strike="noStrike">
-              <a:solidFill>
-                <a:srgbClr val="000000"/>
-              </a:solidFill>
-              <a:latin typeface="Arial"/>
-            </a:endParaRPr>
-          </a:p>
-        </p:txBody>
-      </p:sp>
-      <p:sp>
-        <p:nvSpPr>
-          <p:cNvPr id="30" name="PlaceHolder 4"/>
+            <a:endParaRPr b="0" lang="en-US" sz="3200" spc="-1" strike="noStrike">
+              <a:latin typeface="Arial"/>
+            </a:endParaRPr>
+          </a:p>
+        </p:txBody>
+      </p:sp>
+      <p:sp>
+        <p:nvSpPr>
+          <p:cNvPr id="29" name="PlaceHolder 4"/>
           <p:cNvSpPr>
             <a:spLocks noGrp="1"/>
           </p:cNvSpPr>
@@ -297,8 +281,8 @@
         </p:nvSpPr>
         <p:spPr>
           <a:xfrm>
-            <a:off x="311760" y="2936880"/>
-            <a:ext cx="4157640" cy="1629360"/>
+            <a:off x="311760" y="2936520"/>
+            <a:ext cx="4157280" cy="1629000"/>
           </a:xfrm>
           <a:prstGeom prst="rect">
             <a:avLst/>
@@ -309,18 +293,15 @@
             <a:normAutofit/>
           </a:bodyPr>
           <a:p>
-            <a:endParaRPr b="0" lang="en-US" sz="1400" spc="-1" strike="noStrike">
-              <a:solidFill>
-                <a:srgbClr val="000000"/>
-              </a:solidFill>
-              <a:latin typeface="Arial"/>
-            </a:endParaRPr>
-          </a:p>
-        </p:txBody>
-      </p:sp>
-      <p:sp>
-        <p:nvSpPr>
-          <p:cNvPr id="31" name="PlaceHolder 5"/>
+            <a:endParaRPr b="0" lang="en-US" sz="3200" spc="-1" strike="noStrike">
+              <a:latin typeface="Arial"/>
+            </a:endParaRPr>
+          </a:p>
+        </p:txBody>
+      </p:sp>
+      <p:sp>
+        <p:nvSpPr>
+          <p:cNvPr id="30" name="PlaceHolder 5"/>
           <p:cNvSpPr>
             <a:spLocks noGrp="1"/>
           </p:cNvSpPr>
@@ -330,8 +311,8 @@
         </p:nvSpPr>
         <p:spPr>
           <a:xfrm>
-            <a:off x="4677840" y="2936880"/>
-            <a:ext cx="4157640" cy="1629360"/>
+            <a:off x="4677120" y="2936520"/>
+            <a:ext cx="4157280" cy="1629000"/>
           </a:xfrm>
           <a:prstGeom prst="rect">
             <a:avLst/>
@@ -342,10 +323,7 @@
             <a:normAutofit/>
           </a:bodyPr>
           <a:p>
-            <a:endParaRPr b="0" lang="en-US" sz="1400" spc="-1" strike="noStrike">
-              <a:solidFill>
-                <a:srgbClr val="000000"/>
-              </a:solidFill>
+            <a:endParaRPr b="0" lang="en-US" sz="3200" spc="-1" strike="noStrike">
               <a:latin typeface="Arial"/>
             </a:endParaRPr>
           </a:p>
@@ -375,7 +353,7 @@
       </p:grpSpPr>
       <p:sp>
         <p:nvSpPr>
-          <p:cNvPr id="32" name="PlaceHolder 1"/>
+          <p:cNvPr id="31" name="PlaceHolder 1"/>
           <p:cNvSpPr>
             <a:spLocks noGrp="1"/>
           </p:cNvSpPr>
@@ -385,8 +363,8 @@
         </p:nvSpPr>
         <p:spPr>
           <a:xfrm>
-            <a:off x="311760" y="444960"/>
-            <a:ext cx="8520120" cy="572400"/>
+            <a:off x="311760" y="418320"/>
+            <a:ext cx="8519760" cy="625320"/>
           </a:xfrm>
           <a:prstGeom prst="rect">
             <a:avLst/>
@@ -397,18 +375,16 @@
             <a:noAutofit/>
           </a:bodyPr>
           <a:p>
-            <a:endParaRPr b="0" lang="en-US" sz="1400" spc="-1" strike="noStrike">
-              <a:solidFill>
-                <a:srgbClr val="000000"/>
-              </a:solidFill>
-              <a:latin typeface="Arial"/>
-            </a:endParaRPr>
-          </a:p>
-        </p:txBody>
-      </p:sp>
-      <p:sp>
-        <p:nvSpPr>
-          <p:cNvPr id="33" name="PlaceHolder 2"/>
+            <a:pPr algn="ctr"/>
+            <a:endParaRPr b="0" lang="en-US" sz="4400" spc="-1" strike="noStrike">
+              <a:latin typeface="Arial"/>
+            </a:endParaRPr>
+          </a:p>
+        </p:txBody>
+      </p:sp>
+      <p:sp>
+        <p:nvSpPr>
+          <p:cNvPr id="32" name="PlaceHolder 2"/>
           <p:cNvSpPr>
             <a:spLocks noGrp="1"/>
           </p:cNvSpPr>
@@ -419,7 +395,7 @@
         <p:spPr>
           <a:xfrm>
             <a:off x="311760" y="1152360"/>
-            <a:ext cx="2743200" cy="1629360"/>
+            <a:ext cx="2743200" cy="1629000"/>
           </a:xfrm>
           <a:prstGeom prst="rect">
             <a:avLst/>
@@ -430,18 +406,15 @@
             <a:normAutofit/>
           </a:bodyPr>
           <a:p>
-            <a:endParaRPr b="0" lang="en-US" sz="1400" spc="-1" strike="noStrike">
-              <a:solidFill>
-                <a:srgbClr val="000000"/>
-              </a:solidFill>
-              <a:latin typeface="Arial"/>
-            </a:endParaRPr>
-          </a:p>
-        </p:txBody>
-      </p:sp>
-      <p:sp>
-        <p:nvSpPr>
-          <p:cNvPr id="34" name="PlaceHolder 3"/>
+            <a:endParaRPr b="0" lang="en-US" sz="3200" spc="-1" strike="noStrike">
+              <a:latin typeface="Arial"/>
+            </a:endParaRPr>
+          </a:p>
+        </p:txBody>
+      </p:sp>
+      <p:sp>
+        <p:nvSpPr>
+          <p:cNvPr id="33" name="PlaceHolder 3"/>
           <p:cNvSpPr>
             <a:spLocks noGrp="1"/>
           </p:cNvSpPr>
@@ -452,7 +425,7 @@
         <p:spPr>
           <a:xfrm>
             <a:off x="3192480" y="1152360"/>
-            <a:ext cx="2743200" cy="1629360"/>
+            <a:ext cx="2743200" cy="1629000"/>
           </a:xfrm>
           <a:prstGeom prst="rect">
             <a:avLst/>
@@ -463,18 +436,15 @@
             <a:normAutofit/>
           </a:bodyPr>
           <a:p>
-            <a:endParaRPr b="0" lang="en-US" sz="1400" spc="-1" strike="noStrike">
-              <a:solidFill>
-                <a:srgbClr val="000000"/>
-              </a:solidFill>
-              <a:latin typeface="Arial"/>
-            </a:endParaRPr>
-          </a:p>
-        </p:txBody>
-      </p:sp>
-      <p:sp>
-        <p:nvSpPr>
-          <p:cNvPr id="35" name="PlaceHolder 4"/>
+            <a:endParaRPr b="0" lang="en-US" sz="3200" spc="-1" strike="noStrike">
+              <a:latin typeface="Arial"/>
+            </a:endParaRPr>
+          </a:p>
+        </p:txBody>
+      </p:sp>
+      <p:sp>
+        <p:nvSpPr>
+          <p:cNvPr id="34" name="PlaceHolder 4"/>
           <p:cNvSpPr>
             <a:spLocks noGrp="1"/>
           </p:cNvSpPr>
@@ -485,7 +455,7 @@
         <p:spPr>
           <a:xfrm>
             <a:off x="6073200" y="1152360"/>
-            <a:ext cx="2743200" cy="1629360"/>
+            <a:ext cx="2743200" cy="1629000"/>
           </a:xfrm>
           <a:prstGeom prst="rect">
             <a:avLst/>
@@ -496,18 +466,15 @@
             <a:normAutofit/>
           </a:bodyPr>
           <a:p>
-            <a:endParaRPr b="0" lang="en-US" sz="1400" spc="-1" strike="noStrike">
-              <a:solidFill>
-                <a:srgbClr val="000000"/>
-              </a:solidFill>
-              <a:latin typeface="Arial"/>
-            </a:endParaRPr>
-          </a:p>
-        </p:txBody>
-      </p:sp>
-      <p:sp>
-        <p:nvSpPr>
-          <p:cNvPr id="36" name="PlaceHolder 5"/>
+            <a:endParaRPr b="0" lang="en-US" sz="3200" spc="-1" strike="noStrike">
+              <a:latin typeface="Arial"/>
+            </a:endParaRPr>
+          </a:p>
+        </p:txBody>
+      </p:sp>
+      <p:sp>
+        <p:nvSpPr>
+          <p:cNvPr id="35" name="PlaceHolder 5"/>
           <p:cNvSpPr>
             <a:spLocks noGrp="1"/>
           </p:cNvSpPr>
@@ -517,8 +484,8 @@
         </p:nvSpPr>
         <p:spPr>
           <a:xfrm>
-            <a:off x="311760" y="2936880"/>
-            <a:ext cx="2743200" cy="1629360"/>
+            <a:off x="311760" y="2936520"/>
+            <a:ext cx="2743200" cy="1629000"/>
           </a:xfrm>
           <a:prstGeom prst="rect">
             <a:avLst/>
@@ -529,18 +496,15 @@
             <a:normAutofit/>
           </a:bodyPr>
           <a:p>
-            <a:endParaRPr b="0" lang="en-US" sz="1400" spc="-1" strike="noStrike">
-              <a:solidFill>
-                <a:srgbClr val="000000"/>
-              </a:solidFill>
-              <a:latin typeface="Arial"/>
-            </a:endParaRPr>
-          </a:p>
-        </p:txBody>
-      </p:sp>
-      <p:sp>
-        <p:nvSpPr>
-          <p:cNvPr id="37" name="PlaceHolder 6"/>
+            <a:endParaRPr b="0" lang="en-US" sz="3200" spc="-1" strike="noStrike">
+              <a:latin typeface="Arial"/>
+            </a:endParaRPr>
+          </a:p>
+        </p:txBody>
+      </p:sp>
+      <p:sp>
+        <p:nvSpPr>
+          <p:cNvPr id="36" name="PlaceHolder 6"/>
           <p:cNvSpPr>
             <a:spLocks noGrp="1"/>
           </p:cNvSpPr>
@@ -550,8 +514,8 @@
         </p:nvSpPr>
         <p:spPr>
           <a:xfrm>
-            <a:off x="3192480" y="2936880"/>
-            <a:ext cx="2743200" cy="1629360"/>
+            <a:off x="3192480" y="2936520"/>
+            <a:ext cx="2743200" cy="1629000"/>
           </a:xfrm>
           <a:prstGeom prst="rect">
             <a:avLst/>
@@ -562,18 +526,15 @@
             <a:normAutofit/>
           </a:bodyPr>
           <a:p>
-            <a:endParaRPr b="0" lang="en-US" sz="1400" spc="-1" strike="noStrike">
-              <a:solidFill>
-                <a:srgbClr val="000000"/>
-              </a:solidFill>
-              <a:latin typeface="Arial"/>
-            </a:endParaRPr>
-          </a:p>
-        </p:txBody>
-      </p:sp>
-      <p:sp>
-        <p:nvSpPr>
-          <p:cNvPr id="38" name="PlaceHolder 7"/>
+            <a:endParaRPr b="0" lang="en-US" sz="3200" spc="-1" strike="noStrike">
+              <a:latin typeface="Arial"/>
+            </a:endParaRPr>
+          </a:p>
+        </p:txBody>
+      </p:sp>
+      <p:sp>
+        <p:nvSpPr>
+          <p:cNvPr id="37" name="PlaceHolder 7"/>
           <p:cNvSpPr>
             <a:spLocks noGrp="1"/>
           </p:cNvSpPr>
@@ -583,8 +544,8 @@
         </p:nvSpPr>
         <p:spPr>
           <a:xfrm>
-            <a:off x="6073200" y="2936880"/>
-            <a:ext cx="2743200" cy="1629360"/>
+            <a:off x="6073200" y="2936520"/>
+            <a:ext cx="2743200" cy="1629000"/>
           </a:xfrm>
           <a:prstGeom prst="rect">
             <a:avLst/>
@@ -595,10 +556,7 @@
             <a:normAutofit/>
           </a:bodyPr>
           <a:p>
-            <a:endParaRPr b="0" lang="en-US" sz="1400" spc="-1" strike="noStrike">
-              <a:solidFill>
-                <a:srgbClr val="000000"/>
-              </a:solidFill>
+            <a:endParaRPr b="0" lang="en-US" sz="3200" spc="-1" strike="noStrike">
               <a:latin typeface="Arial"/>
             </a:endParaRPr>
           </a:p>
@@ -650,7 +608,7 @@
       </p:grpSpPr>
       <p:sp>
         <p:nvSpPr>
-          <p:cNvPr id="42" name="PlaceHolder 1"/>
+          <p:cNvPr id="40" name="PlaceHolder 1"/>
           <p:cNvSpPr>
             <a:spLocks noGrp="1"/>
           </p:cNvSpPr>
@@ -660,8 +618,8 @@
         </p:nvSpPr>
         <p:spPr>
           <a:xfrm>
-            <a:off x="311760" y="444960"/>
-            <a:ext cx="8520120" cy="572400"/>
+            <a:off x="311760" y="418320"/>
+            <a:ext cx="8519760" cy="625320"/>
           </a:xfrm>
           <a:prstGeom prst="rect">
             <a:avLst/>
@@ -672,18 +630,16 @@
             <a:noAutofit/>
           </a:bodyPr>
           <a:p>
-            <a:endParaRPr b="0" lang="en-US" sz="1400" spc="-1" strike="noStrike">
-              <a:solidFill>
-                <a:srgbClr val="000000"/>
-              </a:solidFill>
-              <a:latin typeface="Arial"/>
-            </a:endParaRPr>
-          </a:p>
-        </p:txBody>
-      </p:sp>
-      <p:sp>
-        <p:nvSpPr>
-          <p:cNvPr id="43" name="PlaceHolder 2"/>
+            <a:pPr algn="ctr"/>
+            <a:endParaRPr b="0" lang="en-US" sz="4400" spc="-1" strike="noStrike">
+              <a:latin typeface="Arial"/>
+            </a:endParaRPr>
+          </a:p>
+        </p:txBody>
+      </p:sp>
+      <p:sp>
+        <p:nvSpPr>
+          <p:cNvPr id="41" name="PlaceHolder 2"/>
           <p:cNvSpPr>
             <a:spLocks noGrp="1"/>
           </p:cNvSpPr>
@@ -694,7 +650,7 @@
         <p:spPr>
           <a:xfrm>
             <a:off x="311760" y="1152360"/>
-            <a:ext cx="8520120" cy="3416040"/>
+            <a:ext cx="8519760" cy="3415680"/>
           </a:xfrm>
           <a:prstGeom prst="rect">
             <a:avLst/>
@@ -736,7 +692,7 @@
       </p:grpSpPr>
       <p:sp>
         <p:nvSpPr>
-          <p:cNvPr id="44" name="PlaceHolder 1"/>
+          <p:cNvPr id="42" name="PlaceHolder 1"/>
           <p:cNvSpPr>
             <a:spLocks noGrp="1"/>
           </p:cNvSpPr>
@@ -746,8 +702,8 @@
         </p:nvSpPr>
         <p:spPr>
           <a:xfrm>
-            <a:off x="311760" y="444960"/>
-            <a:ext cx="8520120" cy="572400"/>
+            <a:off x="311760" y="418320"/>
+            <a:ext cx="8519760" cy="625320"/>
           </a:xfrm>
           <a:prstGeom prst="rect">
             <a:avLst/>
@@ -758,18 +714,16 @@
             <a:noAutofit/>
           </a:bodyPr>
           <a:p>
-            <a:endParaRPr b="0" lang="en-US" sz="1400" spc="-1" strike="noStrike">
-              <a:solidFill>
-                <a:srgbClr val="000000"/>
-              </a:solidFill>
-              <a:latin typeface="Arial"/>
-            </a:endParaRPr>
-          </a:p>
-        </p:txBody>
-      </p:sp>
-      <p:sp>
-        <p:nvSpPr>
-          <p:cNvPr id="45" name="PlaceHolder 2"/>
+            <a:pPr algn="ctr"/>
+            <a:endParaRPr b="0" lang="en-US" sz="4400" spc="-1" strike="noStrike">
+              <a:latin typeface="Arial"/>
+            </a:endParaRPr>
+          </a:p>
+        </p:txBody>
+      </p:sp>
+      <p:sp>
+        <p:nvSpPr>
+          <p:cNvPr id="43" name="PlaceHolder 2"/>
           <p:cNvSpPr>
             <a:spLocks noGrp="1"/>
           </p:cNvSpPr>
@@ -780,7 +734,7 @@
         <p:spPr>
           <a:xfrm>
             <a:off x="311760" y="1152360"/>
-            <a:ext cx="8520120" cy="3416040"/>
+            <a:ext cx="8519760" cy="3415680"/>
           </a:xfrm>
           <a:prstGeom prst="rect">
             <a:avLst/>
@@ -791,10 +745,7 @@
             <a:normAutofit/>
           </a:bodyPr>
           <a:p>
-            <a:endParaRPr b="0" lang="en-US" sz="1400" spc="-1" strike="noStrike">
-              <a:solidFill>
-                <a:srgbClr val="000000"/>
-              </a:solidFill>
+            <a:endParaRPr b="0" lang="en-US" sz="3200" spc="-1" strike="noStrike">
               <a:latin typeface="Arial"/>
             </a:endParaRPr>
           </a:p>
@@ -824,7 +775,7 @@
       </p:grpSpPr>
       <p:sp>
         <p:nvSpPr>
-          <p:cNvPr id="46" name="PlaceHolder 1"/>
+          <p:cNvPr id="44" name="PlaceHolder 1"/>
           <p:cNvSpPr>
             <a:spLocks noGrp="1"/>
           </p:cNvSpPr>
@@ -834,8 +785,8 @@
         </p:nvSpPr>
         <p:spPr>
           <a:xfrm>
-            <a:off x="311760" y="444960"/>
-            <a:ext cx="8520120" cy="572400"/>
+            <a:off x="311760" y="418320"/>
+            <a:ext cx="8519760" cy="625320"/>
           </a:xfrm>
           <a:prstGeom prst="rect">
             <a:avLst/>
@@ -846,18 +797,16 @@
             <a:noAutofit/>
           </a:bodyPr>
           <a:p>
-            <a:endParaRPr b="0" lang="en-US" sz="1400" spc="-1" strike="noStrike">
-              <a:solidFill>
-                <a:srgbClr val="000000"/>
-              </a:solidFill>
-              <a:latin typeface="Arial"/>
-            </a:endParaRPr>
-          </a:p>
-        </p:txBody>
-      </p:sp>
-      <p:sp>
-        <p:nvSpPr>
-          <p:cNvPr id="47" name="PlaceHolder 2"/>
+            <a:pPr algn="ctr"/>
+            <a:endParaRPr b="0" lang="en-US" sz="4400" spc="-1" strike="noStrike">
+              <a:latin typeface="Arial"/>
+            </a:endParaRPr>
+          </a:p>
+        </p:txBody>
+      </p:sp>
+      <p:sp>
+        <p:nvSpPr>
+          <p:cNvPr id="45" name="PlaceHolder 2"/>
           <p:cNvSpPr>
             <a:spLocks noGrp="1"/>
           </p:cNvSpPr>
@@ -868,7 +817,7 @@
         <p:spPr>
           <a:xfrm>
             <a:off x="311760" y="1152360"/>
-            <a:ext cx="4157640" cy="3416040"/>
+            <a:ext cx="4157280" cy="3415680"/>
           </a:xfrm>
           <a:prstGeom prst="rect">
             <a:avLst/>
@@ -879,18 +828,15 @@
             <a:normAutofit/>
           </a:bodyPr>
           <a:p>
-            <a:endParaRPr b="0" lang="en-US" sz="1400" spc="-1" strike="noStrike">
-              <a:solidFill>
-                <a:srgbClr val="000000"/>
-              </a:solidFill>
-              <a:latin typeface="Arial"/>
-            </a:endParaRPr>
-          </a:p>
-        </p:txBody>
-      </p:sp>
-      <p:sp>
-        <p:nvSpPr>
-          <p:cNvPr id="48" name="PlaceHolder 3"/>
+            <a:endParaRPr b="0" lang="en-US" sz="3200" spc="-1" strike="noStrike">
+              <a:latin typeface="Arial"/>
+            </a:endParaRPr>
+          </a:p>
+        </p:txBody>
+      </p:sp>
+      <p:sp>
+        <p:nvSpPr>
+          <p:cNvPr id="46" name="PlaceHolder 3"/>
           <p:cNvSpPr>
             <a:spLocks noGrp="1"/>
           </p:cNvSpPr>
@@ -900,8 +846,8 @@
         </p:nvSpPr>
         <p:spPr>
           <a:xfrm>
-            <a:off x="4677840" y="1152360"/>
-            <a:ext cx="4157640" cy="3416040"/>
+            <a:off x="4677120" y="1152360"/>
+            <a:ext cx="4157280" cy="3415680"/>
           </a:xfrm>
           <a:prstGeom prst="rect">
             <a:avLst/>
@@ -912,10 +858,7 @@
             <a:normAutofit/>
           </a:bodyPr>
           <a:p>
-            <a:endParaRPr b="0" lang="en-US" sz="1400" spc="-1" strike="noStrike">
-              <a:solidFill>
-                <a:srgbClr val="000000"/>
-              </a:solidFill>
+            <a:endParaRPr b="0" lang="en-US" sz="3200" spc="-1" strike="noStrike">
               <a:latin typeface="Arial"/>
             </a:endParaRPr>
           </a:p>
@@ -945,7 +888,7 @@
       </p:grpSpPr>
       <p:sp>
         <p:nvSpPr>
-          <p:cNvPr id="49" name="PlaceHolder 1"/>
+          <p:cNvPr id="47" name="PlaceHolder 1"/>
           <p:cNvSpPr>
             <a:spLocks noGrp="1"/>
           </p:cNvSpPr>
@@ -955,8 +898,8 @@
         </p:nvSpPr>
         <p:spPr>
           <a:xfrm>
-            <a:off x="311760" y="444960"/>
-            <a:ext cx="8520120" cy="572400"/>
+            <a:off x="311760" y="418320"/>
+            <a:ext cx="8519760" cy="625320"/>
           </a:xfrm>
           <a:prstGeom prst="rect">
             <a:avLst/>
@@ -967,10 +910,8 @@
             <a:noAutofit/>
           </a:bodyPr>
           <a:p>
-            <a:endParaRPr b="0" lang="en-US" sz="1400" spc="-1" strike="noStrike">
-              <a:solidFill>
-                <a:srgbClr val="000000"/>
-              </a:solidFill>
+            <a:pPr algn="ctr"/>
+            <a:endParaRPr b="0" lang="en-US" sz="4400" spc="-1" strike="noStrike">
               <a:latin typeface="Arial"/>
             </a:endParaRPr>
           </a:p>
@@ -1000,7 +941,7 @@
       </p:grpSpPr>
       <p:sp>
         <p:nvSpPr>
-          <p:cNvPr id="50" name="PlaceHolder 1"/>
+          <p:cNvPr id="48" name="PlaceHolder 1"/>
           <p:cNvSpPr>
             <a:spLocks noGrp="1"/>
           </p:cNvSpPr>
@@ -1011,7 +952,7 @@
         <p:spPr>
           <a:xfrm>
             <a:off x="311760" y="444960"/>
-            <a:ext cx="8520120" cy="2654640"/>
+            <a:ext cx="8519760" cy="2652840"/>
           </a:xfrm>
           <a:prstGeom prst="rect">
             <a:avLst/>
@@ -1053,7 +994,7 @@
       </p:grpSpPr>
       <p:sp>
         <p:nvSpPr>
-          <p:cNvPr id="51" name="PlaceHolder 1"/>
+          <p:cNvPr id="49" name="PlaceHolder 1"/>
           <p:cNvSpPr>
             <a:spLocks noGrp="1"/>
           </p:cNvSpPr>
@@ -1063,8 +1004,8 @@
         </p:nvSpPr>
         <p:spPr>
           <a:xfrm>
-            <a:off x="311760" y="444960"/>
-            <a:ext cx="8520120" cy="572400"/>
+            <a:off x="311760" y="418320"/>
+            <a:ext cx="8519760" cy="625320"/>
           </a:xfrm>
           <a:prstGeom prst="rect">
             <a:avLst/>
@@ -1075,18 +1016,16 @@
             <a:noAutofit/>
           </a:bodyPr>
           <a:p>
-            <a:endParaRPr b="0" lang="en-US" sz="1400" spc="-1" strike="noStrike">
-              <a:solidFill>
-                <a:srgbClr val="000000"/>
-              </a:solidFill>
-              <a:latin typeface="Arial"/>
-            </a:endParaRPr>
-          </a:p>
-        </p:txBody>
-      </p:sp>
-      <p:sp>
-        <p:nvSpPr>
-          <p:cNvPr id="52" name="PlaceHolder 2"/>
+            <a:pPr algn="ctr"/>
+            <a:endParaRPr b="0" lang="en-US" sz="4400" spc="-1" strike="noStrike">
+              <a:latin typeface="Arial"/>
+            </a:endParaRPr>
+          </a:p>
+        </p:txBody>
+      </p:sp>
+      <p:sp>
+        <p:nvSpPr>
+          <p:cNvPr id="50" name="PlaceHolder 2"/>
           <p:cNvSpPr>
             <a:spLocks noGrp="1"/>
           </p:cNvSpPr>
@@ -1097,7 +1036,7 @@
         <p:spPr>
           <a:xfrm>
             <a:off x="311760" y="1152360"/>
-            <a:ext cx="4157640" cy="1629360"/>
+            <a:ext cx="4157280" cy="1629000"/>
           </a:xfrm>
           <a:prstGeom prst="rect">
             <a:avLst/>
@@ -1108,18 +1047,15 @@
             <a:normAutofit/>
           </a:bodyPr>
           <a:p>
-            <a:endParaRPr b="0" lang="en-US" sz="1400" spc="-1" strike="noStrike">
-              <a:solidFill>
-                <a:srgbClr val="000000"/>
-              </a:solidFill>
-              <a:latin typeface="Arial"/>
-            </a:endParaRPr>
-          </a:p>
-        </p:txBody>
-      </p:sp>
-      <p:sp>
-        <p:nvSpPr>
-          <p:cNvPr id="53" name="PlaceHolder 3"/>
+            <a:endParaRPr b="0" lang="en-US" sz="3200" spc="-1" strike="noStrike">
+              <a:latin typeface="Arial"/>
+            </a:endParaRPr>
+          </a:p>
+        </p:txBody>
+      </p:sp>
+      <p:sp>
+        <p:nvSpPr>
+          <p:cNvPr id="51" name="PlaceHolder 3"/>
           <p:cNvSpPr>
             <a:spLocks noGrp="1"/>
           </p:cNvSpPr>
@@ -1129,8 +1065,8 @@
         </p:nvSpPr>
         <p:spPr>
           <a:xfrm>
-            <a:off x="4677840" y="1152360"/>
-            <a:ext cx="4157640" cy="3416040"/>
+            <a:off x="4677120" y="1152360"/>
+            <a:ext cx="4157280" cy="3415680"/>
           </a:xfrm>
           <a:prstGeom prst="rect">
             <a:avLst/>
@@ -1141,18 +1077,15 @@
             <a:normAutofit/>
           </a:bodyPr>
           <a:p>
-            <a:endParaRPr b="0" lang="en-US" sz="1400" spc="-1" strike="noStrike">
-              <a:solidFill>
-                <a:srgbClr val="000000"/>
-              </a:solidFill>
-              <a:latin typeface="Arial"/>
-            </a:endParaRPr>
-          </a:p>
-        </p:txBody>
-      </p:sp>
-      <p:sp>
-        <p:nvSpPr>
-          <p:cNvPr id="54" name="PlaceHolder 4"/>
+            <a:endParaRPr b="0" lang="en-US" sz="3200" spc="-1" strike="noStrike">
+              <a:latin typeface="Arial"/>
+            </a:endParaRPr>
+          </a:p>
+        </p:txBody>
+      </p:sp>
+      <p:sp>
+        <p:nvSpPr>
+          <p:cNvPr id="52" name="PlaceHolder 4"/>
           <p:cNvSpPr>
             <a:spLocks noGrp="1"/>
           </p:cNvSpPr>
@@ -1162,8 +1095,8 @@
         </p:nvSpPr>
         <p:spPr>
           <a:xfrm>
-            <a:off x="311760" y="2936880"/>
-            <a:ext cx="4157640" cy="1629360"/>
+            <a:off x="311760" y="2936520"/>
+            <a:ext cx="4157280" cy="1629000"/>
           </a:xfrm>
           <a:prstGeom prst="rect">
             <a:avLst/>
@@ -1174,10 +1107,7 @@
             <a:normAutofit/>
           </a:bodyPr>
           <a:p>
-            <a:endParaRPr b="0" lang="en-US" sz="1400" spc="-1" strike="noStrike">
-              <a:solidFill>
-                <a:srgbClr val="000000"/>
-              </a:solidFill>
+            <a:endParaRPr b="0" lang="en-US" sz="3200" spc="-1" strike="noStrike">
               <a:latin typeface="Arial"/>
             </a:endParaRPr>
           </a:p>
@@ -1207,7 +1137,7 @@
       </p:grpSpPr>
       <p:sp>
         <p:nvSpPr>
-          <p:cNvPr id="3" name="PlaceHolder 1"/>
+          <p:cNvPr id="2" name="PlaceHolder 1"/>
           <p:cNvSpPr>
             <a:spLocks noGrp="1"/>
           </p:cNvSpPr>
@@ -1217,8 +1147,8 @@
         </p:nvSpPr>
         <p:spPr>
           <a:xfrm>
-            <a:off x="311760" y="444960"/>
-            <a:ext cx="8520120" cy="572400"/>
+            <a:off x="311760" y="418320"/>
+            <a:ext cx="8519760" cy="625320"/>
           </a:xfrm>
           <a:prstGeom prst="rect">
             <a:avLst/>
@@ -1229,18 +1159,16 @@
             <a:noAutofit/>
           </a:bodyPr>
           <a:p>
-            <a:endParaRPr b="0" lang="en-US" sz="1400" spc="-1" strike="noStrike">
-              <a:solidFill>
-                <a:srgbClr val="000000"/>
-              </a:solidFill>
-              <a:latin typeface="Arial"/>
-            </a:endParaRPr>
-          </a:p>
-        </p:txBody>
-      </p:sp>
-      <p:sp>
-        <p:nvSpPr>
-          <p:cNvPr id="4" name="PlaceHolder 2"/>
+            <a:pPr algn="ctr"/>
+            <a:endParaRPr b="0" lang="en-US" sz="4400" spc="-1" strike="noStrike">
+              <a:latin typeface="Arial"/>
+            </a:endParaRPr>
+          </a:p>
+        </p:txBody>
+      </p:sp>
+      <p:sp>
+        <p:nvSpPr>
+          <p:cNvPr id="3" name="PlaceHolder 2"/>
           <p:cNvSpPr>
             <a:spLocks noGrp="1"/>
           </p:cNvSpPr>
@@ -1251,7 +1179,7 @@
         <p:spPr>
           <a:xfrm>
             <a:off x="311760" y="1152360"/>
-            <a:ext cx="8520120" cy="3416040"/>
+            <a:ext cx="8519760" cy="3415680"/>
           </a:xfrm>
           <a:prstGeom prst="rect">
             <a:avLst/>
@@ -1293,7 +1221,7 @@
       </p:grpSpPr>
       <p:sp>
         <p:nvSpPr>
-          <p:cNvPr id="55" name="PlaceHolder 1"/>
+          <p:cNvPr id="53" name="PlaceHolder 1"/>
           <p:cNvSpPr>
             <a:spLocks noGrp="1"/>
           </p:cNvSpPr>
@@ -1303,8 +1231,8 @@
         </p:nvSpPr>
         <p:spPr>
           <a:xfrm>
-            <a:off x="311760" y="444960"/>
-            <a:ext cx="8520120" cy="572400"/>
+            <a:off x="311760" y="418320"/>
+            <a:ext cx="8519760" cy="625320"/>
           </a:xfrm>
           <a:prstGeom prst="rect">
             <a:avLst/>
@@ -1315,18 +1243,16 @@
             <a:noAutofit/>
           </a:bodyPr>
           <a:p>
-            <a:endParaRPr b="0" lang="en-US" sz="1400" spc="-1" strike="noStrike">
-              <a:solidFill>
-                <a:srgbClr val="000000"/>
-              </a:solidFill>
-              <a:latin typeface="Arial"/>
-            </a:endParaRPr>
-          </a:p>
-        </p:txBody>
-      </p:sp>
-      <p:sp>
-        <p:nvSpPr>
-          <p:cNvPr id="56" name="PlaceHolder 2"/>
+            <a:pPr algn="ctr"/>
+            <a:endParaRPr b="0" lang="en-US" sz="4400" spc="-1" strike="noStrike">
+              <a:latin typeface="Arial"/>
+            </a:endParaRPr>
+          </a:p>
+        </p:txBody>
+      </p:sp>
+      <p:sp>
+        <p:nvSpPr>
+          <p:cNvPr id="54" name="PlaceHolder 2"/>
           <p:cNvSpPr>
             <a:spLocks noGrp="1"/>
           </p:cNvSpPr>
@@ -1337,7 +1263,7 @@
         <p:spPr>
           <a:xfrm>
             <a:off x="311760" y="1152360"/>
-            <a:ext cx="4157640" cy="3416040"/>
+            <a:ext cx="4157280" cy="3415680"/>
           </a:xfrm>
           <a:prstGeom prst="rect">
             <a:avLst/>
@@ -1348,18 +1274,15 @@
             <a:normAutofit/>
           </a:bodyPr>
           <a:p>
-            <a:endParaRPr b="0" lang="en-US" sz="1400" spc="-1" strike="noStrike">
-              <a:solidFill>
-                <a:srgbClr val="000000"/>
-              </a:solidFill>
-              <a:latin typeface="Arial"/>
-            </a:endParaRPr>
-          </a:p>
-        </p:txBody>
-      </p:sp>
-      <p:sp>
-        <p:nvSpPr>
-          <p:cNvPr id="57" name="PlaceHolder 3"/>
+            <a:endParaRPr b="0" lang="en-US" sz="3200" spc="-1" strike="noStrike">
+              <a:latin typeface="Arial"/>
+            </a:endParaRPr>
+          </a:p>
+        </p:txBody>
+      </p:sp>
+      <p:sp>
+        <p:nvSpPr>
+          <p:cNvPr id="55" name="PlaceHolder 3"/>
           <p:cNvSpPr>
             <a:spLocks noGrp="1"/>
           </p:cNvSpPr>
@@ -1369,8 +1292,8 @@
         </p:nvSpPr>
         <p:spPr>
           <a:xfrm>
-            <a:off x="4677840" y="1152360"/>
-            <a:ext cx="4157640" cy="1629360"/>
+            <a:off x="4677120" y="1152360"/>
+            <a:ext cx="4157280" cy="1629000"/>
           </a:xfrm>
           <a:prstGeom prst="rect">
             <a:avLst/>
@@ -1381,18 +1304,15 @@
             <a:normAutofit/>
           </a:bodyPr>
           <a:p>
-            <a:endParaRPr b="0" lang="en-US" sz="1400" spc="-1" strike="noStrike">
-              <a:solidFill>
-                <a:srgbClr val="000000"/>
-              </a:solidFill>
-              <a:latin typeface="Arial"/>
-            </a:endParaRPr>
-          </a:p>
-        </p:txBody>
-      </p:sp>
-      <p:sp>
-        <p:nvSpPr>
-          <p:cNvPr id="58" name="PlaceHolder 4"/>
+            <a:endParaRPr b="0" lang="en-US" sz="3200" spc="-1" strike="noStrike">
+              <a:latin typeface="Arial"/>
+            </a:endParaRPr>
+          </a:p>
+        </p:txBody>
+      </p:sp>
+      <p:sp>
+        <p:nvSpPr>
+          <p:cNvPr id="56" name="PlaceHolder 4"/>
           <p:cNvSpPr>
             <a:spLocks noGrp="1"/>
           </p:cNvSpPr>
@@ -1402,8 +1322,8 @@
         </p:nvSpPr>
         <p:spPr>
           <a:xfrm>
-            <a:off x="4677840" y="2936880"/>
-            <a:ext cx="4157640" cy="1629360"/>
+            <a:off x="4677120" y="2936520"/>
+            <a:ext cx="4157280" cy="1629000"/>
           </a:xfrm>
           <a:prstGeom prst="rect">
             <a:avLst/>
@@ -1414,10 +1334,7 @@
             <a:normAutofit/>
           </a:bodyPr>
           <a:p>
-            <a:endParaRPr b="0" lang="en-US" sz="1400" spc="-1" strike="noStrike">
-              <a:solidFill>
-                <a:srgbClr val="000000"/>
-              </a:solidFill>
+            <a:endParaRPr b="0" lang="en-US" sz="3200" spc="-1" strike="noStrike">
               <a:latin typeface="Arial"/>
             </a:endParaRPr>
           </a:p>
@@ -1447,7 +1364,7 @@
       </p:grpSpPr>
       <p:sp>
         <p:nvSpPr>
-          <p:cNvPr id="59" name="PlaceHolder 1"/>
+          <p:cNvPr id="57" name="PlaceHolder 1"/>
           <p:cNvSpPr>
             <a:spLocks noGrp="1"/>
           </p:cNvSpPr>
@@ -1457,8 +1374,8 @@
         </p:nvSpPr>
         <p:spPr>
           <a:xfrm>
-            <a:off x="311760" y="444960"/>
-            <a:ext cx="8520120" cy="572400"/>
+            <a:off x="311760" y="418320"/>
+            <a:ext cx="8519760" cy="625320"/>
           </a:xfrm>
           <a:prstGeom prst="rect">
             <a:avLst/>
@@ -1469,18 +1386,16 @@
             <a:noAutofit/>
           </a:bodyPr>
           <a:p>
-            <a:endParaRPr b="0" lang="en-US" sz="1400" spc="-1" strike="noStrike">
-              <a:solidFill>
-                <a:srgbClr val="000000"/>
-              </a:solidFill>
-              <a:latin typeface="Arial"/>
-            </a:endParaRPr>
-          </a:p>
-        </p:txBody>
-      </p:sp>
-      <p:sp>
-        <p:nvSpPr>
-          <p:cNvPr id="60" name="PlaceHolder 2"/>
+            <a:pPr algn="ctr"/>
+            <a:endParaRPr b="0" lang="en-US" sz="4400" spc="-1" strike="noStrike">
+              <a:latin typeface="Arial"/>
+            </a:endParaRPr>
+          </a:p>
+        </p:txBody>
+      </p:sp>
+      <p:sp>
+        <p:nvSpPr>
+          <p:cNvPr id="58" name="PlaceHolder 2"/>
           <p:cNvSpPr>
             <a:spLocks noGrp="1"/>
           </p:cNvSpPr>
@@ -1491,7 +1406,7 @@
         <p:spPr>
           <a:xfrm>
             <a:off x="311760" y="1152360"/>
-            <a:ext cx="4157640" cy="1629360"/>
+            <a:ext cx="4157280" cy="1629000"/>
           </a:xfrm>
           <a:prstGeom prst="rect">
             <a:avLst/>
@@ -1502,18 +1417,15 @@
             <a:normAutofit/>
           </a:bodyPr>
           <a:p>
-            <a:endParaRPr b="0" lang="en-US" sz="1400" spc="-1" strike="noStrike">
-              <a:solidFill>
-                <a:srgbClr val="000000"/>
-              </a:solidFill>
-              <a:latin typeface="Arial"/>
-            </a:endParaRPr>
-          </a:p>
-        </p:txBody>
-      </p:sp>
-      <p:sp>
-        <p:nvSpPr>
-          <p:cNvPr id="61" name="PlaceHolder 3"/>
+            <a:endParaRPr b="0" lang="en-US" sz="3200" spc="-1" strike="noStrike">
+              <a:latin typeface="Arial"/>
+            </a:endParaRPr>
+          </a:p>
+        </p:txBody>
+      </p:sp>
+      <p:sp>
+        <p:nvSpPr>
+          <p:cNvPr id="59" name="PlaceHolder 3"/>
           <p:cNvSpPr>
             <a:spLocks noGrp="1"/>
           </p:cNvSpPr>
@@ -1523,8 +1435,8 @@
         </p:nvSpPr>
         <p:spPr>
           <a:xfrm>
-            <a:off x="4677840" y="1152360"/>
-            <a:ext cx="4157640" cy="1629360"/>
+            <a:off x="4677120" y="1152360"/>
+            <a:ext cx="4157280" cy="1629000"/>
           </a:xfrm>
           <a:prstGeom prst="rect">
             <a:avLst/>
@@ -1535,18 +1447,15 @@
             <a:normAutofit/>
           </a:bodyPr>
           <a:p>
-            <a:endParaRPr b="0" lang="en-US" sz="1400" spc="-1" strike="noStrike">
-              <a:solidFill>
-                <a:srgbClr val="000000"/>
-              </a:solidFill>
-              <a:latin typeface="Arial"/>
-            </a:endParaRPr>
-          </a:p>
-        </p:txBody>
-      </p:sp>
-      <p:sp>
-        <p:nvSpPr>
-          <p:cNvPr id="62" name="PlaceHolder 4"/>
+            <a:endParaRPr b="0" lang="en-US" sz="3200" spc="-1" strike="noStrike">
+              <a:latin typeface="Arial"/>
+            </a:endParaRPr>
+          </a:p>
+        </p:txBody>
+      </p:sp>
+      <p:sp>
+        <p:nvSpPr>
+          <p:cNvPr id="60" name="PlaceHolder 4"/>
           <p:cNvSpPr>
             <a:spLocks noGrp="1"/>
           </p:cNvSpPr>
@@ -1556,8 +1465,8 @@
         </p:nvSpPr>
         <p:spPr>
           <a:xfrm>
-            <a:off x="311760" y="2936880"/>
-            <a:ext cx="8520120" cy="1629360"/>
+            <a:off x="311760" y="2936520"/>
+            <a:ext cx="8519760" cy="1629000"/>
           </a:xfrm>
           <a:prstGeom prst="rect">
             <a:avLst/>
@@ -1568,10 +1477,7 @@
             <a:normAutofit/>
           </a:bodyPr>
           <a:p>
-            <a:endParaRPr b="0" lang="en-US" sz="1400" spc="-1" strike="noStrike">
-              <a:solidFill>
-                <a:srgbClr val="000000"/>
-              </a:solidFill>
+            <a:endParaRPr b="0" lang="en-US" sz="3200" spc="-1" strike="noStrike">
               <a:latin typeface="Arial"/>
             </a:endParaRPr>
           </a:p>
@@ -1601,7 +1507,7 @@
       </p:grpSpPr>
       <p:sp>
         <p:nvSpPr>
-          <p:cNvPr id="63" name="PlaceHolder 1"/>
+          <p:cNvPr id="61" name="PlaceHolder 1"/>
           <p:cNvSpPr>
             <a:spLocks noGrp="1"/>
           </p:cNvSpPr>
@@ -1611,8 +1517,8 @@
         </p:nvSpPr>
         <p:spPr>
           <a:xfrm>
-            <a:off x="311760" y="444960"/>
-            <a:ext cx="8520120" cy="572400"/>
+            <a:off x="311760" y="418320"/>
+            <a:ext cx="8519760" cy="625320"/>
           </a:xfrm>
           <a:prstGeom prst="rect">
             <a:avLst/>
@@ -1623,18 +1529,16 @@
             <a:noAutofit/>
           </a:bodyPr>
           <a:p>
-            <a:endParaRPr b="0" lang="en-US" sz="1400" spc="-1" strike="noStrike">
-              <a:solidFill>
-                <a:srgbClr val="000000"/>
-              </a:solidFill>
-              <a:latin typeface="Arial"/>
-            </a:endParaRPr>
-          </a:p>
-        </p:txBody>
-      </p:sp>
-      <p:sp>
-        <p:nvSpPr>
-          <p:cNvPr id="64" name="PlaceHolder 2"/>
+            <a:pPr algn="ctr"/>
+            <a:endParaRPr b="0" lang="en-US" sz="4400" spc="-1" strike="noStrike">
+              <a:latin typeface="Arial"/>
+            </a:endParaRPr>
+          </a:p>
+        </p:txBody>
+      </p:sp>
+      <p:sp>
+        <p:nvSpPr>
+          <p:cNvPr id="62" name="PlaceHolder 2"/>
           <p:cNvSpPr>
             <a:spLocks noGrp="1"/>
           </p:cNvSpPr>
@@ -1645,7 +1549,7 @@
         <p:spPr>
           <a:xfrm>
             <a:off x="311760" y="1152360"/>
-            <a:ext cx="8520120" cy="1629360"/>
+            <a:ext cx="8519760" cy="1629000"/>
           </a:xfrm>
           <a:prstGeom prst="rect">
             <a:avLst/>
@@ -1656,18 +1560,15 @@
             <a:normAutofit/>
           </a:bodyPr>
           <a:p>
-            <a:endParaRPr b="0" lang="en-US" sz="1400" spc="-1" strike="noStrike">
-              <a:solidFill>
-                <a:srgbClr val="000000"/>
-              </a:solidFill>
-              <a:latin typeface="Arial"/>
-            </a:endParaRPr>
-          </a:p>
-        </p:txBody>
-      </p:sp>
-      <p:sp>
-        <p:nvSpPr>
-          <p:cNvPr id="65" name="PlaceHolder 3"/>
+            <a:endParaRPr b="0" lang="en-US" sz="3200" spc="-1" strike="noStrike">
+              <a:latin typeface="Arial"/>
+            </a:endParaRPr>
+          </a:p>
+        </p:txBody>
+      </p:sp>
+      <p:sp>
+        <p:nvSpPr>
+          <p:cNvPr id="63" name="PlaceHolder 3"/>
           <p:cNvSpPr>
             <a:spLocks noGrp="1"/>
           </p:cNvSpPr>
@@ -1677,8 +1578,8 @@
         </p:nvSpPr>
         <p:spPr>
           <a:xfrm>
-            <a:off x="311760" y="2936880"/>
-            <a:ext cx="8520120" cy="1629360"/>
+            <a:off x="311760" y="2936520"/>
+            <a:ext cx="8519760" cy="1629000"/>
           </a:xfrm>
           <a:prstGeom prst="rect">
             <a:avLst/>
@@ -1689,10 +1590,7 @@
             <a:normAutofit/>
           </a:bodyPr>
           <a:p>
-            <a:endParaRPr b="0" lang="en-US" sz="1400" spc="-1" strike="noStrike">
-              <a:solidFill>
-                <a:srgbClr val="000000"/>
-              </a:solidFill>
+            <a:endParaRPr b="0" lang="en-US" sz="3200" spc="-1" strike="noStrike">
               <a:latin typeface="Arial"/>
             </a:endParaRPr>
           </a:p>
@@ -1722,7 +1620,7 @@
       </p:grpSpPr>
       <p:sp>
         <p:nvSpPr>
-          <p:cNvPr id="66" name="PlaceHolder 1"/>
+          <p:cNvPr id="64" name="PlaceHolder 1"/>
           <p:cNvSpPr>
             <a:spLocks noGrp="1"/>
           </p:cNvSpPr>
@@ -1732,8 +1630,8 @@
         </p:nvSpPr>
         <p:spPr>
           <a:xfrm>
-            <a:off x="311760" y="444960"/>
-            <a:ext cx="8520120" cy="572400"/>
+            <a:off x="311760" y="418320"/>
+            <a:ext cx="8519760" cy="625320"/>
           </a:xfrm>
           <a:prstGeom prst="rect">
             <a:avLst/>
@@ -1744,18 +1642,16 @@
             <a:noAutofit/>
           </a:bodyPr>
           <a:p>
-            <a:endParaRPr b="0" lang="en-US" sz="1400" spc="-1" strike="noStrike">
-              <a:solidFill>
-                <a:srgbClr val="000000"/>
-              </a:solidFill>
-              <a:latin typeface="Arial"/>
-            </a:endParaRPr>
-          </a:p>
-        </p:txBody>
-      </p:sp>
-      <p:sp>
-        <p:nvSpPr>
-          <p:cNvPr id="67" name="PlaceHolder 2"/>
+            <a:pPr algn="ctr"/>
+            <a:endParaRPr b="0" lang="en-US" sz="4400" spc="-1" strike="noStrike">
+              <a:latin typeface="Arial"/>
+            </a:endParaRPr>
+          </a:p>
+        </p:txBody>
+      </p:sp>
+      <p:sp>
+        <p:nvSpPr>
+          <p:cNvPr id="65" name="PlaceHolder 2"/>
           <p:cNvSpPr>
             <a:spLocks noGrp="1"/>
           </p:cNvSpPr>
@@ -1766,7 +1662,7 @@
         <p:spPr>
           <a:xfrm>
             <a:off x="311760" y="1152360"/>
-            <a:ext cx="4157640" cy="1629360"/>
+            <a:ext cx="4157280" cy="1629000"/>
           </a:xfrm>
           <a:prstGeom prst="rect">
             <a:avLst/>
@@ -1777,18 +1673,15 @@
             <a:normAutofit/>
           </a:bodyPr>
           <a:p>
-            <a:endParaRPr b="0" lang="en-US" sz="1400" spc="-1" strike="noStrike">
-              <a:solidFill>
-                <a:srgbClr val="000000"/>
-              </a:solidFill>
-              <a:latin typeface="Arial"/>
-            </a:endParaRPr>
-          </a:p>
-        </p:txBody>
-      </p:sp>
-      <p:sp>
-        <p:nvSpPr>
-          <p:cNvPr id="68" name="PlaceHolder 3"/>
+            <a:endParaRPr b="0" lang="en-US" sz="3200" spc="-1" strike="noStrike">
+              <a:latin typeface="Arial"/>
+            </a:endParaRPr>
+          </a:p>
+        </p:txBody>
+      </p:sp>
+      <p:sp>
+        <p:nvSpPr>
+          <p:cNvPr id="66" name="PlaceHolder 3"/>
           <p:cNvSpPr>
             <a:spLocks noGrp="1"/>
           </p:cNvSpPr>
@@ -1798,8 +1691,8 @@
         </p:nvSpPr>
         <p:spPr>
           <a:xfrm>
-            <a:off x="4677840" y="1152360"/>
-            <a:ext cx="4157640" cy="1629360"/>
+            <a:off x="4677120" y="1152360"/>
+            <a:ext cx="4157280" cy="1629000"/>
           </a:xfrm>
           <a:prstGeom prst="rect">
             <a:avLst/>
@@ -1810,18 +1703,15 @@
             <a:normAutofit/>
           </a:bodyPr>
           <a:p>
-            <a:endParaRPr b="0" lang="en-US" sz="1400" spc="-1" strike="noStrike">
-              <a:solidFill>
-                <a:srgbClr val="000000"/>
-              </a:solidFill>
-              <a:latin typeface="Arial"/>
-            </a:endParaRPr>
-          </a:p>
-        </p:txBody>
-      </p:sp>
-      <p:sp>
-        <p:nvSpPr>
-          <p:cNvPr id="69" name="PlaceHolder 4"/>
+            <a:endParaRPr b="0" lang="en-US" sz="3200" spc="-1" strike="noStrike">
+              <a:latin typeface="Arial"/>
+            </a:endParaRPr>
+          </a:p>
+        </p:txBody>
+      </p:sp>
+      <p:sp>
+        <p:nvSpPr>
+          <p:cNvPr id="67" name="PlaceHolder 4"/>
           <p:cNvSpPr>
             <a:spLocks noGrp="1"/>
           </p:cNvSpPr>
@@ -1831,8 +1721,8 @@
         </p:nvSpPr>
         <p:spPr>
           <a:xfrm>
-            <a:off x="311760" y="2936880"/>
-            <a:ext cx="4157640" cy="1629360"/>
+            <a:off x="311760" y="2936520"/>
+            <a:ext cx="4157280" cy="1629000"/>
           </a:xfrm>
           <a:prstGeom prst="rect">
             <a:avLst/>
@@ -1843,18 +1733,15 @@
             <a:normAutofit/>
           </a:bodyPr>
           <a:p>
-            <a:endParaRPr b="0" lang="en-US" sz="1400" spc="-1" strike="noStrike">
-              <a:solidFill>
-                <a:srgbClr val="000000"/>
-              </a:solidFill>
-              <a:latin typeface="Arial"/>
-            </a:endParaRPr>
-          </a:p>
-        </p:txBody>
-      </p:sp>
-      <p:sp>
-        <p:nvSpPr>
-          <p:cNvPr id="70" name="PlaceHolder 5"/>
+            <a:endParaRPr b="0" lang="en-US" sz="3200" spc="-1" strike="noStrike">
+              <a:latin typeface="Arial"/>
+            </a:endParaRPr>
+          </a:p>
+        </p:txBody>
+      </p:sp>
+      <p:sp>
+        <p:nvSpPr>
+          <p:cNvPr id="68" name="PlaceHolder 5"/>
           <p:cNvSpPr>
             <a:spLocks noGrp="1"/>
           </p:cNvSpPr>
@@ -1864,8 +1751,8 @@
         </p:nvSpPr>
         <p:spPr>
           <a:xfrm>
-            <a:off x="4677840" y="2936880"/>
-            <a:ext cx="4157640" cy="1629360"/>
+            <a:off x="4677120" y="2936520"/>
+            <a:ext cx="4157280" cy="1629000"/>
           </a:xfrm>
           <a:prstGeom prst="rect">
             <a:avLst/>
@@ -1876,10 +1763,7 @@
             <a:normAutofit/>
           </a:bodyPr>
           <a:p>
-            <a:endParaRPr b="0" lang="en-US" sz="1400" spc="-1" strike="noStrike">
-              <a:solidFill>
-                <a:srgbClr val="000000"/>
-              </a:solidFill>
+            <a:endParaRPr b="0" lang="en-US" sz="3200" spc="-1" strike="noStrike">
               <a:latin typeface="Arial"/>
             </a:endParaRPr>
           </a:p>
@@ -1909,7 +1793,7 @@
       </p:grpSpPr>
       <p:sp>
         <p:nvSpPr>
-          <p:cNvPr id="71" name="PlaceHolder 1"/>
+          <p:cNvPr id="69" name="PlaceHolder 1"/>
           <p:cNvSpPr>
             <a:spLocks noGrp="1"/>
           </p:cNvSpPr>
@@ -1919,8 +1803,8 @@
         </p:nvSpPr>
         <p:spPr>
           <a:xfrm>
-            <a:off x="311760" y="444960"/>
-            <a:ext cx="8520120" cy="572400"/>
+            <a:off x="311760" y="418320"/>
+            <a:ext cx="8519760" cy="625320"/>
           </a:xfrm>
           <a:prstGeom prst="rect">
             <a:avLst/>
@@ -1931,18 +1815,16 @@
             <a:noAutofit/>
           </a:bodyPr>
           <a:p>
-            <a:endParaRPr b="0" lang="en-US" sz="1400" spc="-1" strike="noStrike">
-              <a:solidFill>
-                <a:srgbClr val="000000"/>
-              </a:solidFill>
-              <a:latin typeface="Arial"/>
-            </a:endParaRPr>
-          </a:p>
-        </p:txBody>
-      </p:sp>
-      <p:sp>
-        <p:nvSpPr>
-          <p:cNvPr id="72" name="PlaceHolder 2"/>
+            <a:pPr algn="ctr"/>
+            <a:endParaRPr b="0" lang="en-US" sz="4400" spc="-1" strike="noStrike">
+              <a:latin typeface="Arial"/>
+            </a:endParaRPr>
+          </a:p>
+        </p:txBody>
+      </p:sp>
+      <p:sp>
+        <p:nvSpPr>
+          <p:cNvPr id="70" name="PlaceHolder 2"/>
           <p:cNvSpPr>
             <a:spLocks noGrp="1"/>
           </p:cNvSpPr>
@@ -1953,7 +1835,7 @@
         <p:spPr>
           <a:xfrm>
             <a:off x="311760" y="1152360"/>
-            <a:ext cx="2743200" cy="1629360"/>
+            <a:ext cx="2743200" cy="1629000"/>
           </a:xfrm>
           <a:prstGeom prst="rect">
             <a:avLst/>
@@ -1964,18 +1846,15 @@
             <a:normAutofit/>
           </a:bodyPr>
           <a:p>
-            <a:endParaRPr b="0" lang="en-US" sz="1400" spc="-1" strike="noStrike">
-              <a:solidFill>
-                <a:srgbClr val="000000"/>
-              </a:solidFill>
-              <a:latin typeface="Arial"/>
-            </a:endParaRPr>
-          </a:p>
-        </p:txBody>
-      </p:sp>
-      <p:sp>
-        <p:nvSpPr>
-          <p:cNvPr id="73" name="PlaceHolder 3"/>
+            <a:endParaRPr b="0" lang="en-US" sz="3200" spc="-1" strike="noStrike">
+              <a:latin typeface="Arial"/>
+            </a:endParaRPr>
+          </a:p>
+        </p:txBody>
+      </p:sp>
+      <p:sp>
+        <p:nvSpPr>
+          <p:cNvPr id="71" name="PlaceHolder 3"/>
           <p:cNvSpPr>
             <a:spLocks noGrp="1"/>
           </p:cNvSpPr>
@@ -1986,7 +1865,7 @@
         <p:spPr>
           <a:xfrm>
             <a:off x="3192480" y="1152360"/>
-            <a:ext cx="2743200" cy="1629360"/>
+            <a:ext cx="2743200" cy="1629000"/>
           </a:xfrm>
           <a:prstGeom prst="rect">
             <a:avLst/>
@@ -1997,18 +1876,15 @@
             <a:normAutofit/>
           </a:bodyPr>
           <a:p>
-            <a:endParaRPr b="0" lang="en-US" sz="1400" spc="-1" strike="noStrike">
-              <a:solidFill>
-                <a:srgbClr val="000000"/>
-              </a:solidFill>
-              <a:latin typeface="Arial"/>
-            </a:endParaRPr>
-          </a:p>
-        </p:txBody>
-      </p:sp>
-      <p:sp>
-        <p:nvSpPr>
-          <p:cNvPr id="74" name="PlaceHolder 4"/>
+            <a:endParaRPr b="0" lang="en-US" sz="3200" spc="-1" strike="noStrike">
+              <a:latin typeface="Arial"/>
+            </a:endParaRPr>
+          </a:p>
+        </p:txBody>
+      </p:sp>
+      <p:sp>
+        <p:nvSpPr>
+          <p:cNvPr id="72" name="PlaceHolder 4"/>
           <p:cNvSpPr>
             <a:spLocks noGrp="1"/>
           </p:cNvSpPr>
@@ -2019,7 +1895,7 @@
         <p:spPr>
           <a:xfrm>
             <a:off x="6073200" y="1152360"/>
-            <a:ext cx="2743200" cy="1629360"/>
+            <a:ext cx="2743200" cy="1629000"/>
           </a:xfrm>
           <a:prstGeom prst="rect">
             <a:avLst/>
@@ -2030,18 +1906,15 @@
             <a:normAutofit/>
           </a:bodyPr>
           <a:p>
-            <a:endParaRPr b="0" lang="en-US" sz="1400" spc="-1" strike="noStrike">
-              <a:solidFill>
-                <a:srgbClr val="000000"/>
-              </a:solidFill>
-              <a:latin typeface="Arial"/>
-            </a:endParaRPr>
-          </a:p>
-        </p:txBody>
-      </p:sp>
-      <p:sp>
-        <p:nvSpPr>
-          <p:cNvPr id="75" name="PlaceHolder 5"/>
+            <a:endParaRPr b="0" lang="en-US" sz="3200" spc="-1" strike="noStrike">
+              <a:latin typeface="Arial"/>
+            </a:endParaRPr>
+          </a:p>
+        </p:txBody>
+      </p:sp>
+      <p:sp>
+        <p:nvSpPr>
+          <p:cNvPr id="73" name="PlaceHolder 5"/>
           <p:cNvSpPr>
             <a:spLocks noGrp="1"/>
           </p:cNvSpPr>
@@ -2051,8 +1924,8 @@
         </p:nvSpPr>
         <p:spPr>
           <a:xfrm>
-            <a:off x="311760" y="2936880"/>
-            <a:ext cx="2743200" cy="1629360"/>
+            <a:off x="311760" y="2936520"/>
+            <a:ext cx="2743200" cy="1629000"/>
           </a:xfrm>
           <a:prstGeom prst="rect">
             <a:avLst/>
@@ -2063,18 +1936,15 @@
             <a:normAutofit/>
           </a:bodyPr>
           <a:p>
-            <a:endParaRPr b="0" lang="en-US" sz="1400" spc="-1" strike="noStrike">
-              <a:solidFill>
-                <a:srgbClr val="000000"/>
-              </a:solidFill>
-              <a:latin typeface="Arial"/>
-            </a:endParaRPr>
-          </a:p>
-        </p:txBody>
-      </p:sp>
-      <p:sp>
-        <p:nvSpPr>
-          <p:cNvPr id="76" name="PlaceHolder 6"/>
+            <a:endParaRPr b="0" lang="en-US" sz="3200" spc="-1" strike="noStrike">
+              <a:latin typeface="Arial"/>
+            </a:endParaRPr>
+          </a:p>
+        </p:txBody>
+      </p:sp>
+      <p:sp>
+        <p:nvSpPr>
+          <p:cNvPr id="74" name="PlaceHolder 6"/>
           <p:cNvSpPr>
             <a:spLocks noGrp="1"/>
           </p:cNvSpPr>
@@ -2084,8 +1954,8 @@
         </p:nvSpPr>
         <p:spPr>
           <a:xfrm>
-            <a:off x="3192480" y="2936880"/>
-            <a:ext cx="2743200" cy="1629360"/>
+            <a:off x="3192480" y="2936520"/>
+            <a:ext cx="2743200" cy="1629000"/>
           </a:xfrm>
           <a:prstGeom prst="rect">
             <a:avLst/>
@@ -2096,18 +1966,15 @@
             <a:normAutofit/>
           </a:bodyPr>
           <a:p>
-            <a:endParaRPr b="0" lang="en-US" sz="1400" spc="-1" strike="noStrike">
-              <a:solidFill>
-                <a:srgbClr val="000000"/>
-              </a:solidFill>
-              <a:latin typeface="Arial"/>
-            </a:endParaRPr>
-          </a:p>
-        </p:txBody>
-      </p:sp>
-      <p:sp>
-        <p:nvSpPr>
-          <p:cNvPr id="77" name="PlaceHolder 7"/>
+            <a:endParaRPr b="0" lang="en-US" sz="3200" spc="-1" strike="noStrike">
+              <a:latin typeface="Arial"/>
+            </a:endParaRPr>
+          </a:p>
+        </p:txBody>
+      </p:sp>
+      <p:sp>
+        <p:nvSpPr>
+          <p:cNvPr id="75" name="PlaceHolder 7"/>
           <p:cNvSpPr>
             <a:spLocks noGrp="1"/>
           </p:cNvSpPr>
@@ -2117,8 +1984,8 @@
         </p:nvSpPr>
         <p:spPr>
           <a:xfrm>
-            <a:off x="6073200" y="2936880"/>
-            <a:ext cx="2743200" cy="1629360"/>
+            <a:off x="6073200" y="2936520"/>
+            <a:ext cx="2743200" cy="1629000"/>
           </a:xfrm>
           <a:prstGeom prst="rect">
             <a:avLst/>
@@ -2129,10 +1996,7 @@
             <a:normAutofit/>
           </a:bodyPr>
           <a:p>
-            <a:endParaRPr b="0" lang="en-US" sz="1400" spc="-1" strike="noStrike">
-              <a:solidFill>
-                <a:srgbClr val="000000"/>
-              </a:solidFill>
+            <a:endParaRPr b="0" lang="en-US" sz="3200" spc="-1" strike="noStrike">
               <a:latin typeface="Arial"/>
             </a:endParaRPr>
           </a:p>
@@ -2162,7 +2026,7 @@
       </p:grpSpPr>
       <p:sp>
         <p:nvSpPr>
-          <p:cNvPr id="5" name="PlaceHolder 1"/>
+          <p:cNvPr id="4" name="PlaceHolder 1"/>
           <p:cNvSpPr>
             <a:spLocks noGrp="1"/>
           </p:cNvSpPr>
@@ -2172,8 +2036,8 @@
         </p:nvSpPr>
         <p:spPr>
           <a:xfrm>
-            <a:off x="311760" y="444960"/>
-            <a:ext cx="8520120" cy="572400"/>
+            <a:off x="311760" y="418320"/>
+            <a:ext cx="8519760" cy="625320"/>
           </a:xfrm>
           <a:prstGeom prst="rect">
             <a:avLst/>
@@ -2184,18 +2048,16 @@
             <a:noAutofit/>
           </a:bodyPr>
           <a:p>
-            <a:endParaRPr b="0" lang="en-US" sz="1400" spc="-1" strike="noStrike">
-              <a:solidFill>
-                <a:srgbClr val="000000"/>
-              </a:solidFill>
-              <a:latin typeface="Arial"/>
-            </a:endParaRPr>
-          </a:p>
-        </p:txBody>
-      </p:sp>
-      <p:sp>
-        <p:nvSpPr>
-          <p:cNvPr id="6" name="PlaceHolder 2"/>
+            <a:pPr algn="ctr"/>
+            <a:endParaRPr b="0" lang="en-US" sz="4400" spc="-1" strike="noStrike">
+              <a:latin typeface="Arial"/>
+            </a:endParaRPr>
+          </a:p>
+        </p:txBody>
+      </p:sp>
+      <p:sp>
+        <p:nvSpPr>
+          <p:cNvPr id="5" name="PlaceHolder 2"/>
           <p:cNvSpPr>
             <a:spLocks noGrp="1"/>
           </p:cNvSpPr>
@@ -2206,7 +2068,7 @@
         <p:spPr>
           <a:xfrm>
             <a:off x="311760" y="1152360"/>
-            <a:ext cx="8520120" cy="3416040"/>
+            <a:ext cx="8519760" cy="3415680"/>
           </a:xfrm>
           <a:prstGeom prst="rect">
             <a:avLst/>
@@ -2217,10 +2079,7 @@
             <a:normAutofit/>
           </a:bodyPr>
           <a:p>
-            <a:endParaRPr b="0" lang="en-US" sz="1400" spc="-1" strike="noStrike">
-              <a:solidFill>
-                <a:srgbClr val="000000"/>
-              </a:solidFill>
+            <a:endParaRPr b="0" lang="en-US" sz="3200" spc="-1" strike="noStrike">
               <a:latin typeface="Arial"/>
             </a:endParaRPr>
           </a:p>
@@ -2250,7 +2109,7 @@
       </p:grpSpPr>
       <p:sp>
         <p:nvSpPr>
-          <p:cNvPr id="7" name="PlaceHolder 1"/>
+          <p:cNvPr id="6" name="PlaceHolder 1"/>
           <p:cNvSpPr>
             <a:spLocks noGrp="1"/>
           </p:cNvSpPr>
@@ -2260,8 +2119,8 @@
         </p:nvSpPr>
         <p:spPr>
           <a:xfrm>
-            <a:off x="311760" y="444960"/>
-            <a:ext cx="8520120" cy="572400"/>
+            <a:off x="311760" y="418320"/>
+            <a:ext cx="8519760" cy="625320"/>
           </a:xfrm>
           <a:prstGeom prst="rect">
             <a:avLst/>
@@ -2272,18 +2131,16 @@
             <a:noAutofit/>
           </a:bodyPr>
           <a:p>
-            <a:endParaRPr b="0" lang="en-US" sz="1400" spc="-1" strike="noStrike">
-              <a:solidFill>
-                <a:srgbClr val="000000"/>
-              </a:solidFill>
-              <a:latin typeface="Arial"/>
-            </a:endParaRPr>
-          </a:p>
-        </p:txBody>
-      </p:sp>
-      <p:sp>
-        <p:nvSpPr>
-          <p:cNvPr id="8" name="PlaceHolder 2"/>
+            <a:pPr algn="ctr"/>
+            <a:endParaRPr b="0" lang="en-US" sz="4400" spc="-1" strike="noStrike">
+              <a:latin typeface="Arial"/>
+            </a:endParaRPr>
+          </a:p>
+        </p:txBody>
+      </p:sp>
+      <p:sp>
+        <p:nvSpPr>
+          <p:cNvPr id="7" name="PlaceHolder 2"/>
           <p:cNvSpPr>
             <a:spLocks noGrp="1"/>
           </p:cNvSpPr>
@@ -2294,7 +2151,7 @@
         <p:spPr>
           <a:xfrm>
             <a:off x="311760" y="1152360"/>
-            <a:ext cx="4157640" cy="3416040"/>
+            <a:ext cx="4157280" cy="3415680"/>
           </a:xfrm>
           <a:prstGeom prst="rect">
             <a:avLst/>
@@ -2305,18 +2162,15 @@
             <a:normAutofit/>
           </a:bodyPr>
           <a:p>
-            <a:endParaRPr b="0" lang="en-US" sz="1400" spc="-1" strike="noStrike">
-              <a:solidFill>
-                <a:srgbClr val="000000"/>
-              </a:solidFill>
-              <a:latin typeface="Arial"/>
-            </a:endParaRPr>
-          </a:p>
-        </p:txBody>
-      </p:sp>
-      <p:sp>
-        <p:nvSpPr>
-          <p:cNvPr id="9" name="PlaceHolder 3"/>
+            <a:endParaRPr b="0" lang="en-US" sz="3200" spc="-1" strike="noStrike">
+              <a:latin typeface="Arial"/>
+            </a:endParaRPr>
+          </a:p>
+        </p:txBody>
+      </p:sp>
+      <p:sp>
+        <p:nvSpPr>
+          <p:cNvPr id="8" name="PlaceHolder 3"/>
           <p:cNvSpPr>
             <a:spLocks noGrp="1"/>
           </p:cNvSpPr>
@@ -2326,8 +2180,8 @@
         </p:nvSpPr>
         <p:spPr>
           <a:xfrm>
-            <a:off x="4677840" y="1152360"/>
-            <a:ext cx="4157640" cy="3416040"/>
+            <a:off x="4677120" y="1152360"/>
+            <a:ext cx="4157280" cy="3415680"/>
           </a:xfrm>
           <a:prstGeom prst="rect">
             <a:avLst/>
@@ -2338,10 +2192,7 @@
             <a:normAutofit/>
           </a:bodyPr>
           <a:p>
-            <a:endParaRPr b="0" lang="en-US" sz="1400" spc="-1" strike="noStrike">
-              <a:solidFill>
-                <a:srgbClr val="000000"/>
-              </a:solidFill>
+            <a:endParaRPr b="0" lang="en-US" sz="3200" spc="-1" strike="noStrike">
               <a:latin typeface="Arial"/>
             </a:endParaRPr>
           </a:p>
@@ -2371,7 +2222,7 @@
       </p:grpSpPr>
       <p:sp>
         <p:nvSpPr>
-          <p:cNvPr id="10" name="PlaceHolder 1"/>
+          <p:cNvPr id="9" name="PlaceHolder 1"/>
           <p:cNvSpPr>
             <a:spLocks noGrp="1"/>
           </p:cNvSpPr>
@@ -2381,8 +2232,8 @@
         </p:nvSpPr>
         <p:spPr>
           <a:xfrm>
-            <a:off x="311760" y="444960"/>
-            <a:ext cx="8520120" cy="572400"/>
+            <a:off x="311760" y="418320"/>
+            <a:ext cx="8519760" cy="625320"/>
           </a:xfrm>
           <a:prstGeom prst="rect">
             <a:avLst/>
@@ -2393,10 +2244,8 @@
             <a:noAutofit/>
           </a:bodyPr>
           <a:p>
-            <a:endParaRPr b="0" lang="en-US" sz="1400" spc="-1" strike="noStrike">
-              <a:solidFill>
-                <a:srgbClr val="000000"/>
-              </a:solidFill>
+            <a:pPr algn="ctr"/>
+            <a:endParaRPr b="0" lang="en-US" sz="4400" spc="-1" strike="noStrike">
               <a:latin typeface="Arial"/>
             </a:endParaRPr>
           </a:p>
@@ -2426,7 +2275,7 @@
       </p:grpSpPr>
       <p:sp>
         <p:nvSpPr>
-          <p:cNvPr id="11" name="PlaceHolder 1"/>
+          <p:cNvPr id="10" name="PlaceHolder 1"/>
           <p:cNvSpPr>
             <a:spLocks noGrp="1"/>
           </p:cNvSpPr>
@@ -2437,7 +2286,7 @@
         <p:spPr>
           <a:xfrm>
             <a:off x="311760" y="444960"/>
-            <a:ext cx="8520120" cy="2654640"/>
+            <a:ext cx="8519760" cy="2652840"/>
           </a:xfrm>
           <a:prstGeom prst="rect">
             <a:avLst/>
@@ -2479,7 +2328,7 @@
       </p:grpSpPr>
       <p:sp>
         <p:nvSpPr>
-          <p:cNvPr id="12" name="PlaceHolder 1"/>
+          <p:cNvPr id="11" name="PlaceHolder 1"/>
           <p:cNvSpPr>
             <a:spLocks noGrp="1"/>
           </p:cNvSpPr>
@@ -2489,8 +2338,8 @@
         </p:nvSpPr>
         <p:spPr>
           <a:xfrm>
-            <a:off x="311760" y="444960"/>
-            <a:ext cx="8520120" cy="572400"/>
+            <a:off x="311760" y="418320"/>
+            <a:ext cx="8519760" cy="625320"/>
           </a:xfrm>
           <a:prstGeom prst="rect">
             <a:avLst/>
@@ -2501,18 +2350,16 @@
             <a:noAutofit/>
           </a:bodyPr>
           <a:p>
-            <a:endParaRPr b="0" lang="en-US" sz="1400" spc="-1" strike="noStrike">
-              <a:solidFill>
-                <a:srgbClr val="000000"/>
-              </a:solidFill>
-              <a:latin typeface="Arial"/>
-            </a:endParaRPr>
-          </a:p>
-        </p:txBody>
-      </p:sp>
-      <p:sp>
-        <p:nvSpPr>
-          <p:cNvPr id="13" name="PlaceHolder 2"/>
+            <a:pPr algn="ctr"/>
+            <a:endParaRPr b="0" lang="en-US" sz="4400" spc="-1" strike="noStrike">
+              <a:latin typeface="Arial"/>
+            </a:endParaRPr>
+          </a:p>
+        </p:txBody>
+      </p:sp>
+      <p:sp>
+        <p:nvSpPr>
+          <p:cNvPr id="12" name="PlaceHolder 2"/>
           <p:cNvSpPr>
             <a:spLocks noGrp="1"/>
           </p:cNvSpPr>
@@ -2523,7 +2370,7 @@
         <p:spPr>
           <a:xfrm>
             <a:off x="311760" y="1152360"/>
-            <a:ext cx="4157640" cy="1629360"/>
+            <a:ext cx="4157280" cy="1629000"/>
           </a:xfrm>
           <a:prstGeom prst="rect">
             <a:avLst/>
@@ -2534,18 +2381,15 @@
             <a:normAutofit/>
           </a:bodyPr>
           <a:p>
-            <a:endParaRPr b="0" lang="en-US" sz="1400" spc="-1" strike="noStrike">
-              <a:solidFill>
-                <a:srgbClr val="000000"/>
-              </a:solidFill>
-              <a:latin typeface="Arial"/>
-            </a:endParaRPr>
-          </a:p>
-        </p:txBody>
-      </p:sp>
-      <p:sp>
-        <p:nvSpPr>
-          <p:cNvPr id="14" name="PlaceHolder 3"/>
+            <a:endParaRPr b="0" lang="en-US" sz="3200" spc="-1" strike="noStrike">
+              <a:latin typeface="Arial"/>
+            </a:endParaRPr>
+          </a:p>
+        </p:txBody>
+      </p:sp>
+      <p:sp>
+        <p:nvSpPr>
+          <p:cNvPr id="13" name="PlaceHolder 3"/>
           <p:cNvSpPr>
             <a:spLocks noGrp="1"/>
           </p:cNvSpPr>
@@ -2555,8 +2399,8 @@
         </p:nvSpPr>
         <p:spPr>
           <a:xfrm>
-            <a:off x="4677840" y="1152360"/>
-            <a:ext cx="4157640" cy="3416040"/>
+            <a:off x="4677120" y="1152360"/>
+            <a:ext cx="4157280" cy="3415680"/>
           </a:xfrm>
           <a:prstGeom prst="rect">
             <a:avLst/>
@@ -2567,18 +2411,15 @@
             <a:normAutofit/>
           </a:bodyPr>
           <a:p>
-            <a:endParaRPr b="0" lang="en-US" sz="1400" spc="-1" strike="noStrike">
-              <a:solidFill>
-                <a:srgbClr val="000000"/>
-              </a:solidFill>
-              <a:latin typeface="Arial"/>
-            </a:endParaRPr>
-          </a:p>
-        </p:txBody>
-      </p:sp>
-      <p:sp>
-        <p:nvSpPr>
-          <p:cNvPr id="15" name="PlaceHolder 4"/>
+            <a:endParaRPr b="0" lang="en-US" sz="3200" spc="-1" strike="noStrike">
+              <a:latin typeface="Arial"/>
+            </a:endParaRPr>
+          </a:p>
+        </p:txBody>
+      </p:sp>
+      <p:sp>
+        <p:nvSpPr>
+          <p:cNvPr id="14" name="PlaceHolder 4"/>
           <p:cNvSpPr>
             <a:spLocks noGrp="1"/>
           </p:cNvSpPr>
@@ -2588,8 +2429,8 @@
         </p:nvSpPr>
         <p:spPr>
           <a:xfrm>
-            <a:off x="311760" y="2936880"/>
-            <a:ext cx="4157640" cy="1629360"/>
+            <a:off x="311760" y="2936520"/>
+            <a:ext cx="4157280" cy="1629000"/>
           </a:xfrm>
           <a:prstGeom prst="rect">
             <a:avLst/>
@@ -2600,10 +2441,7 @@
             <a:normAutofit/>
           </a:bodyPr>
           <a:p>
-            <a:endParaRPr b="0" lang="en-US" sz="1400" spc="-1" strike="noStrike">
-              <a:solidFill>
-                <a:srgbClr val="000000"/>
-              </a:solidFill>
+            <a:endParaRPr b="0" lang="en-US" sz="3200" spc="-1" strike="noStrike">
               <a:latin typeface="Arial"/>
             </a:endParaRPr>
           </a:p>
@@ -2633,7 +2471,7 @@
       </p:grpSpPr>
       <p:sp>
         <p:nvSpPr>
-          <p:cNvPr id="16" name="PlaceHolder 1"/>
+          <p:cNvPr id="15" name="PlaceHolder 1"/>
           <p:cNvSpPr>
             <a:spLocks noGrp="1"/>
           </p:cNvSpPr>
@@ -2643,8 +2481,8 @@
         </p:nvSpPr>
         <p:spPr>
           <a:xfrm>
-            <a:off x="311760" y="444960"/>
-            <a:ext cx="8520120" cy="572400"/>
+            <a:off x="311760" y="418320"/>
+            <a:ext cx="8519760" cy="625320"/>
           </a:xfrm>
           <a:prstGeom prst="rect">
             <a:avLst/>
@@ -2655,18 +2493,16 @@
             <a:noAutofit/>
           </a:bodyPr>
           <a:p>
-            <a:endParaRPr b="0" lang="en-US" sz="1400" spc="-1" strike="noStrike">
-              <a:solidFill>
-                <a:srgbClr val="000000"/>
-              </a:solidFill>
-              <a:latin typeface="Arial"/>
-            </a:endParaRPr>
-          </a:p>
-        </p:txBody>
-      </p:sp>
-      <p:sp>
-        <p:nvSpPr>
-          <p:cNvPr id="17" name="PlaceHolder 2"/>
+            <a:pPr algn="ctr"/>
+            <a:endParaRPr b="0" lang="en-US" sz="4400" spc="-1" strike="noStrike">
+              <a:latin typeface="Arial"/>
+            </a:endParaRPr>
+          </a:p>
+        </p:txBody>
+      </p:sp>
+      <p:sp>
+        <p:nvSpPr>
+          <p:cNvPr id="16" name="PlaceHolder 2"/>
           <p:cNvSpPr>
             <a:spLocks noGrp="1"/>
           </p:cNvSpPr>
@@ -2677,7 +2513,7 @@
         <p:spPr>
           <a:xfrm>
             <a:off x="311760" y="1152360"/>
-            <a:ext cx="4157640" cy="3416040"/>
+            <a:ext cx="4157280" cy="3415680"/>
           </a:xfrm>
           <a:prstGeom prst="rect">
             <a:avLst/>
@@ -2688,18 +2524,15 @@
             <a:normAutofit/>
           </a:bodyPr>
           <a:p>
-            <a:endParaRPr b="0" lang="en-US" sz="1400" spc="-1" strike="noStrike">
-              <a:solidFill>
-                <a:srgbClr val="000000"/>
-              </a:solidFill>
-              <a:latin typeface="Arial"/>
-            </a:endParaRPr>
-          </a:p>
-        </p:txBody>
-      </p:sp>
-      <p:sp>
-        <p:nvSpPr>
-          <p:cNvPr id="18" name="PlaceHolder 3"/>
+            <a:endParaRPr b="0" lang="en-US" sz="3200" spc="-1" strike="noStrike">
+              <a:latin typeface="Arial"/>
+            </a:endParaRPr>
+          </a:p>
+        </p:txBody>
+      </p:sp>
+      <p:sp>
+        <p:nvSpPr>
+          <p:cNvPr id="17" name="PlaceHolder 3"/>
           <p:cNvSpPr>
             <a:spLocks noGrp="1"/>
           </p:cNvSpPr>
@@ -2709,8 +2542,8 @@
         </p:nvSpPr>
         <p:spPr>
           <a:xfrm>
-            <a:off x="4677840" y="1152360"/>
-            <a:ext cx="4157640" cy="1629360"/>
+            <a:off x="4677120" y="1152360"/>
+            <a:ext cx="4157280" cy="1629000"/>
           </a:xfrm>
           <a:prstGeom prst="rect">
             <a:avLst/>
@@ -2721,18 +2554,15 @@
             <a:normAutofit/>
           </a:bodyPr>
           <a:p>
-            <a:endParaRPr b="0" lang="en-US" sz="1400" spc="-1" strike="noStrike">
-              <a:solidFill>
-                <a:srgbClr val="000000"/>
-              </a:solidFill>
-              <a:latin typeface="Arial"/>
-            </a:endParaRPr>
-          </a:p>
-        </p:txBody>
-      </p:sp>
-      <p:sp>
-        <p:nvSpPr>
-          <p:cNvPr id="19" name="PlaceHolder 4"/>
+            <a:endParaRPr b="0" lang="en-US" sz="3200" spc="-1" strike="noStrike">
+              <a:latin typeface="Arial"/>
+            </a:endParaRPr>
+          </a:p>
+        </p:txBody>
+      </p:sp>
+      <p:sp>
+        <p:nvSpPr>
+          <p:cNvPr id="18" name="PlaceHolder 4"/>
           <p:cNvSpPr>
             <a:spLocks noGrp="1"/>
           </p:cNvSpPr>
@@ -2742,8 +2572,8 @@
         </p:nvSpPr>
         <p:spPr>
           <a:xfrm>
-            <a:off x="4677840" y="2936880"/>
-            <a:ext cx="4157640" cy="1629360"/>
+            <a:off x="4677120" y="2936520"/>
+            <a:ext cx="4157280" cy="1629000"/>
           </a:xfrm>
           <a:prstGeom prst="rect">
             <a:avLst/>
@@ -2754,10 +2584,7 @@
             <a:normAutofit/>
           </a:bodyPr>
           <a:p>
-            <a:endParaRPr b="0" lang="en-US" sz="1400" spc="-1" strike="noStrike">
-              <a:solidFill>
-                <a:srgbClr val="000000"/>
-              </a:solidFill>
+            <a:endParaRPr b="0" lang="en-US" sz="3200" spc="-1" strike="noStrike">
               <a:latin typeface="Arial"/>
             </a:endParaRPr>
           </a:p>
@@ -2787,7 +2614,7 @@
       </p:grpSpPr>
       <p:sp>
         <p:nvSpPr>
-          <p:cNvPr id="20" name="PlaceHolder 1"/>
+          <p:cNvPr id="19" name="PlaceHolder 1"/>
           <p:cNvSpPr>
             <a:spLocks noGrp="1"/>
           </p:cNvSpPr>
@@ -2797,8 +2624,8 @@
         </p:nvSpPr>
         <p:spPr>
           <a:xfrm>
-            <a:off x="311760" y="444960"/>
-            <a:ext cx="8520120" cy="572400"/>
+            <a:off x="311760" y="418320"/>
+            <a:ext cx="8519760" cy="625320"/>
           </a:xfrm>
           <a:prstGeom prst="rect">
             <a:avLst/>
@@ -2809,18 +2636,16 @@
             <a:noAutofit/>
           </a:bodyPr>
           <a:p>
-            <a:endParaRPr b="0" lang="en-US" sz="1400" spc="-1" strike="noStrike">
-              <a:solidFill>
-                <a:srgbClr val="000000"/>
-              </a:solidFill>
-              <a:latin typeface="Arial"/>
-            </a:endParaRPr>
-          </a:p>
-        </p:txBody>
-      </p:sp>
-      <p:sp>
-        <p:nvSpPr>
-          <p:cNvPr id="21" name="PlaceHolder 2"/>
+            <a:pPr algn="ctr"/>
+            <a:endParaRPr b="0" lang="en-US" sz="4400" spc="-1" strike="noStrike">
+              <a:latin typeface="Arial"/>
+            </a:endParaRPr>
+          </a:p>
+        </p:txBody>
+      </p:sp>
+      <p:sp>
+        <p:nvSpPr>
+          <p:cNvPr id="20" name="PlaceHolder 2"/>
           <p:cNvSpPr>
             <a:spLocks noGrp="1"/>
           </p:cNvSpPr>
@@ -2831,7 +2656,7 @@
         <p:spPr>
           <a:xfrm>
             <a:off x="311760" y="1152360"/>
-            <a:ext cx="4157640" cy="1629360"/>
+            <a:ext cx="4157280" cy="1629000"/>
           </a:xfrm>
           <a:prstGeom prst="rect">
             <a:avLst/>
@@ -2842,18 +2667,15 @@
             <a:normAutofit/>
           </a:bodyPr>
           <a:p>
-            <a:endParaRPr b="0" lang="en-US" sz="1400" spc="-1" strike="noStrike">
-              <a:solidFill>
-                <a:srgbClr val="000000"/>
-              </a:solidFill>
-              <a:latin typeface="Arial"/>
-            </a:endParaRPr>
-          </a:p>
-        </p:txBody>
-      </p:sp>
-      <p:sp>
-        <p:nvSpPr>
-          <p:cNvPr id="22" name="PlaceHolder 3"/>
+            <a:endParaRPr b="0" lang="en-US" sz="3200" spc="-1" strike="noStrike">
+              <a:latin typeface="Arial"/>
+            </a:endParaRPr>
+          </a:p>
+        </p:txBody>
+      </p:sp>
+      <p:sp>
+        <p:nvSpPr>
+          <p:cNvPr id="21" name="PlaceHolder 3"/>
           <p:cNvSpPr>
             <a:spLocks noGrp="1"/>
           </p:cNvSpPr>
@@ -2863,8 +2685,8 @@
         </p:nvSpPr>
         <p:spPr>
           <a:xfrm>
-            <a:off x="4677840" y="1152360"/>
-            <a:ext cx="4157640" cy="1629360"/>
+            <a:off x="4677120" y="1152360"/>
+            <a:ext cx="4157280" cy="1629000"/>
           </a:xfrm>
           <a:prstGeom prst="rect">
             <a:avLst/>
@@ -2875,18 +2697,15 @@
             <a:normAutofit/>
           </a:bodyPr>
           <a:p>
-            <a:endParaRPr b="0" lang="en-US" sz="1400" spc="-1" strike="noStrike">
-              <a:solidFill>
-                <a:srgbClr val="000000"/>
-              </a:solidFill>
-              <a:latin typeface="Arial"/>
-            </a:endParaRPr>
-          </a:p>
-        </p:txBody>
-      </p:sp>
-      <p:sp>
-        <p:nvSpPr>
-          <p:cNvPr id="23" name="PlaceHolder 4"/>
+            <a:endParaRPr b="0" lang="en-US" sz="3200" spc="-1" strike="noStrike">
+              <a:latin typeface="Arial"/>
+            </a:endParaRPr>
+          </a:p>
+        </p:txBody>
+      </p:sp>
+      <p:sp>
+        <p:nvSpPr>
+          <p:cNvPr id="22" name="PlaceHolder 4"/>
           <p:cNvSpPr>
             <a:spLocks noGrp="1"/>
           </p:cNvSpPr>
@@ -2896,8 +2715,8 @@
         </p:nvSpPr>
         <p:spPr>
           <a:xfrm>
-            <a:off x="311760" y="2936880"/>
-            <a:ext cx="8520120" cy="1629360"/>
+            <a:off x="311760" y="2936520"/>
+            <a:ext cx="8519760" cy="1629000"/>
           </a:xfrm>
           <a:prstGeom prst="rect">
             <a:avLst/>
@@ -2908,10 +2727,7 @@
             <a:normAutofit/>
           </a:bodyPr>
           <a:p>
-            <a:endParaRPr b="0" lang="en-US" sz="1400" spc="-1" strike="noStrike">
-              <a:solidFill>
-                <a:srgbClr val="000000"/>
-              </a:solidFill>
+            <a:endParaRPr b="0" lang="en-US" sz="3200" spc="-1" strike="noStrike">
               <a:latin typeface="Arial"/>
             </a:endParaRPr>
           </a:p>
@@ -2958,31 +2774,26 @@
         </p:nvSpPr>
         <p:spPr>
           <a:xfrm>
-            <a:off x="311760" y="744480"/>
-            <a:ext cx="8520120" cy="2052360"/>
-          </a:xfrm>
-          <a:prstGeom prst="rect">
-            <a:avLst/>
-          </a:prstGeom>
-        </p:spPr>
-        <p:txBody>
-          <a:bodyPr tIns="91440" bIns="91440" anchor="b">
-            <a:normAutofit/>
-          </a:bodyPr>
-          <a:p>
-            <a:r>
-              <a:rPr b="0" lang="en-US" sz="5200" spc="-1" strike="noStrike">
-                <a:solidFill>
-                  <a:srgbClr val="000000"/>
-                </a:solidFill>
+            <a:off x="311760" y="444960"/>
+            <a:ext cx="8519760" cy="572040"/>
+          </a:xfrm>
+          <a:prstGeom prst="rect">
+            <a:avLst/>
+          </a:prstGeom>
+        </p:spPr>
+        <p:txBody>
+          <a:bodyPr lIns="0" rIns="0" tIns="0" bIns="0" anchor="ctr">
+            <a:noAutofit/>
+          </a:bodyPr>
+          <a:p>
+            <a:pPr algn="ctr"/>
+            <a:r>
+              <a:rPr b="0" lang="en-US" sz="1800" spc="-1" strike="noStrike">
                 <a:latin typeface="Arial"/>
               </a:rPr>
               <a:t>Click to edit the title text format</a:t>
             </a:r>
-            <a:endParaRPr b="0" lang="en-US" sz="5200" spc="-1" strike="noStrike">
-              <a:solidFill>
-                <a:srgbClr val="000000"/>
-              </a:solidFill>
+            <a:endParaRPr b="0" lang="en-US" sz="1800" spc="-1" strike="noStrike">
               <a:latin typeface="Arial"/>
             </a:endParaRPr>
           </a:p>
@@ -2991,54 +2802,6 @@
       <p:sp>
         <p:nvSpPr>
           <p:cNvPr id="1" name="PlaceHolder 2"/>
-          <p:cNvSpPr>
-            <a:spLocks noGrp="1"/>
-          </p:cNvSpPr>
-          <p:nvPr>
-            <p:ph type="sldNum"/>
-          </p:nvPr>
-        </p:nvSpPr>
-        <p:spPr>
-          <a:xfrm>
-            <a:off x="8472600" y="4663080"/>
-            <a:ext cx="548280" cy="393120"/>
-          </a:xfrm>
-          <a:prstGeom prst="rect">
-            <a:avLst/>
-          </a:prstGeom>
-        </p:spPr>
-        <p:txBody>
-          <a:bodyPr tIns="91440" bIns="91440" anchor="ctr">
-            <a:normAutofit/>
-          </a:bodyPr>
-          <a:p>
-            <a:pPr algn="r">
-              <a:lnSpc>
-                <a:spcPct val="100000"/>
-              </a:lnSpc>
-              <a:tabLst>
-                <a:tab algn="l" pos="0"/>
-              </a:tabLst>
-            </a:pPr>
-            <a:fld id="{5908DC01-9578-4BC1-B166-82BDA6195E14}" type="slidenum">
-              <a:rPr b="0" lang="en-US" sz="1000" spc="-1" strike="noStrike">
-                <a:solidFill>
-                  <a:srgbClr val="adadad"/>
-                </a:solidFill>
-                <a:latin typeface="Arial"/>
-                <a:ea typeface="Arial"/>
-              </a:rPr>
-              <a:t>&lt;number&gt;</a:t>
-            </a:fld>
-            <a:endParaRPr b="0" lang="en-US" sz="1000" spc="-1" strike="noStrike">
-              <a:latin typeface="Times New Roman"/>
-            </a:endParaRPr>
-          </a:p>
-        </p:txBody>
-      </p:sp>
-      <p:sp>
-        <p:nvSpPr>
-          <p:cNvPr id="2" name="PlaceHolder 3"/>
           <p:cNvSpPr>
             <a:spLocks noGrp="1"/>
           </p:cNvSpPr>
@@ -3072,18 +2835,12 @@
               <a:buChar char=""/>
             </a:pPr>
             <a:r>
-              <a:rPr b="0" lang="en-US" sz="1400" spc="-1" strike="noStrike">
-                <a:solidFill>
-                  <a:srgbClr val="000000"/>
-                </a:solidFill>
+              <a:rPr b="0" lang="en-US" sz="3200" spc="-1" strike="noStrike">
                 <a:latin typeface="Arial"/>
               </a:rPr>
               <a:t>Click to edit the outline text format</a:t>
             </a:r>
-            <a:endParaRPr b="0" lang="en-US" sz="1400" spc="-1" strike="noStrike">
-              <a:solidFill>
-                <a:srgbClr val="000000"/>
-              </a:solidFill>
+            <a:endParaRPr b="0" lang="en-US" sz="3200" spc="-1" strike="noStrike">
               <a:latin typeface="Arial"/>
             </a:endParaRPr>
           </a:p>
@@ -3100,18 +2857,12 @@
               <a:buChar char=""/>
             </a:pPr>
             <a:r>
-              <a:rPr b="0" lang="en-US" sz="1400" spc="-1" strike="noStrike">
-                <a:solidFill>
-                  <a:srgbClr val="000000"/>
-                </a:solidFill>
+              <a:rPr b="0" lang="en-US" sz="2800" spc="-1" strike="noStrike">
                 <a:latin typeface="Arial"/>
               </a:rPr>
               <a:t>Second Outline Level</a:t>
             </a:r>
-            <a:endParaRPr b="0" lang="en-US" sz="1400" spc="-1" strike="noStrike">
-              <a:solidFill>
-                <a:srgbClr val="000000"/>
-              </a:solidFill>
+            <a:endParaRPr b="0" lang="en-US" sz="2800" spc="-1" strike="noStrike">
               <a:latin typeface="Arial"/>
             </a:endParaRPr>
           </a:p>
@@ -3128,18 +2879,12 @@
               <a:buChar char=""/>
             </a:pPr>
             <a:r>
-              <a:rPr b="0" lang="en-US" sz="1400" spc="-1" strike="noStrike">
-                <a:solidFill>
-                  <a:srgbClr val="000000"/>
-                </a:solidFill>
+              <a:rPr b="0" lang="en-US" sz="2400" spc="-1" strike="noStrike">
                 <a:latin typeface="Arial"/>
               </a:rPr>
               <a:t>Third Outline Level</a:t>
             </a:r>
-            <a:endParaRPr b="0" lang="en-US" sz="1400" spc="-1" strike="noStrike">
-              <a:solidFill>
-                <a:srgbClr val="000000"/>
-              </a:solidFill>
+            <a:endParaRPr b="0" lang="en-US" sz="2400" spc="-1" strike="noStrike">
               <a:latin typeface="Arial"/>
             </a:endParaRPr>
           </a:p>
@@ -3156,18 +2901,12 @@
               <a:buChar char=""/>
             </a:pPr>
             <a:r>
-              <a:rPr b="0" lang="en-US" sz="1400" spc="-1" strike="noStrike">
-                <a:solidFill>
-                  <a:srgbClr val="000000"/>
-                </a:solidFill>
+              <a:rPr b="0" lang="en-US" sz="2000" spc="-1" strike="noStrike">
                 <a:latin typeface="Arial"/>
               </a:rPr>
               <a:t>Fourth Outline Level</a:t>
             </a:r>
-            <a:endParaRPr b="0" lang="en-US" sz="1400" spc="-1" strike="noStrike">
-              <a:solidFill>
-                <a:srgbClr val="000000"/>
-              </a:solidFill>
+            <a:endParaRPr b="0" lang="en-US" sz="2000" spc="-1" strike="noStrike">
               <a:latin typeface="Arial"/>
             </a:endParaRPr>
           </a:p>
@@ -3185,17 +2924,11 @@
             </a:pPr>
             <a:r>
               <a:rPr b="0" lang="en-US" sz="2000" spc="-1" strike="noStrike">
-                <a:solidFill>
-                  <a:srgbClr val="000000"/>
-                </a:solidFill>
                 <a:latin typeface="Arial"/>
               </a:rPr>
               <a:t>Fifth Outline Level</a:t>
             </a:r>
             <a:endParaRPr b="0" lang="en-US" sz="2000" spc="-1" strike="noStrike">
-              <a:solidFill>
-                <a:srgbClr val="000000"/>
-              </a:solidFill>
               <a:latin typeface="Arial"/>
             </a:endParaRPr>
           </a:p>
@@ -3213,17 +2946,11 @@
             </a:pPr>
             <a:r>
               <a:rPr b="0" lang="en-US" sz="2000" spc="-1" strike="noStrike">
-                <a:solidFill>
-                  <a:srgbClr val="000000"/>
-                </a:solidFill>
                 <a:latin typeface="Arial"/>
               </a:rPr>
               <a:t>Sixth Outline Level</a:t>
             </a:r>
             <a:endParaRPr b="0" lang="en-US" sz="2000" spc="-1" strike="noStrike">
-              <a:solidFill>
-                <a:srgbClr val="000000"/>
-              </a:solidFill>
               <a:latin typeface="Arial"/>
             </a:endParaRPr>
           </a:p>
@@ -3241,17 +2968,11 @@
             </a:pPr>
             <a:r>
               <a:rPr b="0" lang="en-US" sz="2000" spc="-1" strike="noStrike">
-                <a:solidFill>
-                  <a:srgbClr val="000000"/>
-                </a:solidFill>
                 <a:latin typeface="Arial"/>
               </a:rPr>
               <a:t>Seventh Outline Level</a:t>
             </a:r>
             <a:endParaRPr b="0" lang="en-US" sz="2000" spc="-1" strike="noStrike">
-              <a:solidFill>
-                <a:srgbClr val="000000"/>
-              </a:solidFill>
               <a:latin typeface="Arial"/>
             </a:endParaRPr>
           </a:p>
@@ -3303,7 +3024,7 @@
       </p:grpSpPr>
       <p:sp>
         <p:nvSpPr>
-          <p:cNvPr id="39" name="PlaceHolder 1"/>
+          <p:cNvPr id="38" name="PlaceHolder 1"/>
           <p:cNvSpPr>
             <a:spLocks noGrp="1"/>
           </p:cNvSpPr>
@@ -3314,38 +3035,33 @@
         <p:spPr>
           <a:xfrm>
             <a:off x="311760" y="444960"/>
-            <a:ext cx="8520120" cy="572400"/>
-          </a:xfrm>
-          <a:prstGeom prst="rect">
-            <a:avLst/>
-          </a:prstGeom>
-        </p:spPr>
-        <p:txBody>
-          <a:bodyPr tIns="91440" bIns="91440">
-            <a:normAutofit fontScale="97000"/>
-          </a:bodyPr>
-          <a:p>
-            <a:r>
-              <a:rPr b="0" lang="en-US" sz="2800" spc="-1" strike="noStrike">
-                <a:solidFill>
-                  <a:srgbClr val="000000"/>
-                </a:solidFill>
+            <a:ext cx="8519760" cy="572040"/>
+          </a:xfrm>
+          <a:prstGeom prst="rect">
+            <a:avLst/>
+          </a:prstGeom>
+        </p:spPr>
+        <p:txBody>
+          <a:bodyPr lIns="0" rIns="0" tIns="0" bIns="0" anchor="ctr">
+            <a:noAutofit/>
+          </a:bodyPr>
+          <a:p>
+            <a:pPr algn="ctr"/>
+            <a:r>
+              <a:rPr b="0" lang="en-US" sz="1800" spc="-1" strike="noStrike">
                 <a:latin typeface="Arial"/>
               </a:rPr>
               <a:t>Click to edit the title text format</a:t>
             </a:r>
-            <a:endParaRPr b="0" lang="en-US" sz="2800" spc="-1" strike="noStrike">
-              <a:solidFill>
-                <a:srgbClr val="000000"/>
-              </a:solidFill>
-              <a:latin typeface="Arial"/>
-            </a:endParaRPr>
-          </a:p>
-        </p:txBody>
-      </p:sp>
-      <p:sp>
-        <p:nvSpPr>
-          <p:cNvPr id="40" name="PlaceHolder 2"/>
+            <a:endParaRPr b="0" lang="en-US" sz="1800" spc="-1" strike="noStrike">
+              <a:latin typeface="Arial"/>
+            </a:endParaRPr>
+          </a:p>
+        </p:txBody>
+      </p:sp>
+      <p:sp>
+        <p:nvSpPr>
+          <p:cNvPr id="39" name="PlaceHolder 2"/>
           <p:cNvSpPr>
             <a:spLocks noGrp="1"/>
           </p:cNvSpPr>
@@ -3356,18 +3072,18 @@
         <p:spPr>
           <a:xfrm>
             <a:off x="311760" y="1152360"/>
-            <a:ext cx="8520120" cy="3416040"/>
-          </a:xfrm>
-          <a:prstGeom prst="rect">
-            <a:avLst/>
-          </a:prstGeom>
-        </p:spPr>
-        <p:txBody>
-          <a:bodyPr tIns="91440" bIns="91440">
+            <a:ext cx="8519760" cy="3415680"/>
+          </a:xfrm>
+          <a:prstGeom prst="rect">
+            <a:avLst/>
+          </a:prstGeom>
+        </p:spPr>
+        <p:txBody>
+          <a:bodyPr lIns="0" rIns="0" tIns="0" bIns="0">
             <a:normAutofit/>
           </a:bodyPr>
           <a:p>
-            <a:pPr marL="432000" indent="-324000">
+            <a:pPr marL="432000" indent="-324000" algn="ctr">
               <a:spcBef>
                 <a:spcPts val="1417"/>
               </a:spcBef>
@@ -3380,22 +3096,16 @@
             </a:pPr>
             <a:r>
               <a:rPr b="0" lang="en-US" sz="1800" spc="-1" strike="noStrike">
-                <a:solidFill>
-                  <a:srgbClr val="000000"/>
-                </a:solidFill>
                 <a:latin typeface="Arial"/>
               </a:rPr>
               <a:t>Click to edit the outline text format</a:t>
             </a:r>
             <a:endParaRPr b="0" lang="en-US" sz="1800" spc="-1" strike="noStrike">
-              <a:solidFill>
-                <a:srgbClr val="000000"/>
-              </a:solidFill>
-              <a:latin typeface="Arial"/>
-            </a:endParaRPr>
-          </a:p>
-          <a:p>
-            <a:pPr lvl="1" marL="864000" indent="-324000">
+              <a:latin typeface="Arial"/>
+            </a:endParaRPr>
+          </a:p>
+          <a:p>
+            <a:pPr lvl="1" marL="864000" indent="-324000" algn="ctr">
               <a:spcBef>
                 <a:spcPts val="1134"/>
               </a:spcBef>
@@ -3408,22 +3118,16 @@
             </a:pPr>
             <a:r>
               <a:rPr b="0" lang="en-US" sz="1800" spc="-1" strike="noStrike">
-                <a:solidFill>
-                  <a:srgbClr val="000000"/>
-                </a:solidFill>
                 <a:latin typeface="Arial"/>
               </a:rPr>
               <a:t>Second Outline Level</a:t>
             </a:r>
             <a:endParaRPr b="0" lang="en-US" sz="1800" spc="-1" strike="noStrike">
-              <a:solidFill>
-                <a:srgbClr val="000000"/>
-              </a:solidFill>
-              <a:latin typeface="Arial"/>
-            </a:endParaRPr>
-          </a:p>
-          <a:p>
-            <a:pPr lvl="2" marL="1296000" indent="-288000">
+              <a:latin typeface="Arial"/>
+            </a:endParaRPr>
+          </a:p>
+          <a:p>
+            <a:pPr lvl="2" marL="1296000" indent="-288000" algn="ctr">
               <a:spcBef>
                 <a:spcPts val="850"/>
               </a:spcBef>
@@ -3436,22 +3140,16 @@
             </a:pPr>
             <a:r>
               <a:rPr b="0" lang="en-US" sz="1800" spc="-1" strike="noStrike">
-                <a:solidFill>
-                  <a:srgbClr val="000000"/>
-                </a:solidFill>
                 <a:latin typeface="Arial"/>
               </a:rPr>
               <a:t>Third Outline Level</a:t>
             </a:r>
             <a:endParaRPr b="0" lang="en-US" sz="1800" spc="-1" strike="noStrike">
-              <a:solidFill>
-                <a:srgbClr val="000000"/>
-              </a:solidFill>
-              <a:latin typeface="Arial"/>
-            </a:endParaRPr>
-          </a:p>
-          <a:p>
-            <a:pPr lvl="3" marL="1728000" indent="-216000">
+              <a:latin typeface="Arial"/>
+            </a:endParaRPr>
+          </a:p>
+          <a:p>
+            <a:pPr lvl="3" marL="1728000" indent="-216000" algn="ctr">
               <a:spcBef>
                 <a:spcPts val="567"/>
               </a:spcBef>
@@ -3464,22 +3162,16 @@
             </a:pPr>
             <a:r>
               <a:rPr b="0" lang="en-US" sz="1800" spc="-1" strike="noStrike">
-                <a:solidFill>
-                  <a:srgbClr val="000000"/>
-                </a:solidFill>
                 <a:latin typeface="Arial"/>
               </a:rPr>
               <a:t>Fourth Outline Level</a:t>
             </a:r>
             <a:endParaRPr b="0" lang="en-US" sz="1800" spc="-1" strike="noStrike">
-              <a:solidFill>
-                <a:srgbClr val="000000"/>
-              </a:solidFill>
-              <a:latin typeface="Arial"/>
-            </a:endParaRPr>
-          </a:p>
-          <a:p>
-            <a:pPr lvl="4" marL="2160000" indent="-216000">
+              <a:latin typeface="Arial"/>
+            </a:endParaRPr>
+          </a:p>
+          <a:p>
+            <a:pPr lvl="4" marL="2160000" indent="-216000" algn="ctr">
               <a:spcBef>
                 <a:spcPts val="283"/>
               </a:spcBef>
@@ -3492,22 +3184,16 @@
             </a:pPr>
             <a:r>
               <a:rPr b="0" lang="en-US" sz="1800" spc="-1" strike="noStrike">
-                <a:solidFill>
-                  <a:srgbClr val="000000"/>
-                </a:solidFill>
                 <a:latin typeface="Arial"/>
               </a:rPr>
               <a:t>Fifth Outline Level</a:t>
             </a:r>
             <a:endParaRPr b="0" lang="en-US" sz="1800" spc="-1" strike="noStrike">
-              <a:solidFill>
-                <a:srgbClr val="000000"/>
-              </a:solidFill>
-              <a:latin typeface="Arial"/>
-            </a:endParaRPr>
-          </a:p>
-          <a:p>
-            <a:pPr lvl="5" marL="2592000" indent="-216000">
+              <a:latin typeface="Arial"/>
+            </a:endParaRPr>
+          </a:p>
+          <a:p>
+            <a:pPr lvl="5" marL="2592000" indent="-216000" algn="ctr">
               <a:spcBef>
                 <a:spcPts val="283"/>
               </a:spcBef>
@@ -3520,22 +3206,16 @@
             </a:pPr>
             <a:r>
               <a:rPr b="0" lang="en-US" sz="1800" spc="-1" strike="noStrike">
-                <a:solidFill>
-                  <a:srgbClr val="000000"/>
-                </a:solidFill>
                 <a:latin typeface="Arial"/>
               </a:rPr>
               <a:t>Sixth Outline Level</a:t>
             </a:r>
             <a:endParaRPr b="0" lang="en-US" sz="1800" spc="-1" strike="noStrike">
-              <a:solidFill>
-                <a:srgbClr val="000000"/>
-              </a:solidFill>
-              <a:latin typeface="Arial"/>
-            </a:endParaRPr>
-          </a:p>
-          <a:p>
-            <a:pPr lvl="6" marL="3024000" indent="-216000">
+              <a:latin typeface="Arial"/>
+            </a:endParaRPr>
+          </a:p>
+          <a:p>
+            <a:pPr lvl="6" marL="3024000" indent="-216000" algn="ctr">
               <a:spcBef>
                 <a:spcPts val="283"/>
               </a:spcBef>
@@ -3548,66 +3228,12 @@
             </a:pPr>
             <a:r>
               <a:rPr b="0" lang="en-US" sz="1800" spc="-1" strike="noStrike">
-                <a:solidFill>
-                  <a:srgbClr val="000000"/>
-                </a:solidFill>
                 <a:latin typeface="Arial"/>
               </a:rPr>
               <a:t>Seventh Outline Level</a:t>
             </a:r>
             <a:endParaRPr b="0" lang="en-US" sz="1800" spc="-1" strike="noStrike">
-              <a:solidFill>
-                <a:srgbClr val="000000"/>
-              </a:solidFill>
-              <a:latin typeface="Arial"/>
-            </a:endParaRPr>
-          </a:p>
-        </p:txBody>
-      </p:sp>
-      <p:sp>
-        <p:nvSpPr>
-          <p:cNvPr id="41" name="PlaceHolder 3"/>
-          <p:cNvSpPr>
-            <a:spLocks noGrp="1"/>
-          </p:cNvSpPr>
-          <p:nvPr>
-            <p:ph type="sldNum"/>
-          </p:nvPr>
-        </p:nvSpPr>
-        <p:spPr>
-          <a:xfrm>
-            <a:off x="8472600" y="4663080"/>
-            <a:ext cx="548280" cy="393120"/>
-          </a:xfrm>
-          <a:prstGeom prst="rect">
-            <a:avLst/>
-          </a:prstGeom>
-        </p:spPr>
-        <p:txBody>
-          <a:bodyPr tIns="91440" bIns="91440" anchor="ctr">
-            <a:normAutofit/>
-          </a:bodyPr>
-          <a:p>
-            <a:pPr algn="r">
-              <a:lnSpc>
-                <a:spcPct val="100000"/>
-              </a:lnSpc>
-              <a:tabLst>
-                <a:tab algn="l" pos="0"/>
-              </a:tabLst>
-            </a:pPr>
-            <a:fld id="{E0684DE1-8E64-4794-B899-658864568734}" type="slidenum">
-              <a:rPr b="0" lang="en-US" sz="1000" spc="-1" strike="noStrike">
-                <a:solidFill>
-                  <a:srgbClr val="adadad"/>
-                </a:solidFill>
-                <a:latin typeface="Arial"/>
-                <a:ea typeface="Arial"/>
-              </a:rPr>
-              <a:t>&lt;number&gt;</a:t>
-            </a:fld>
-            <a:endParaRPr b="0" lang="en-US" sz="1000" spc="-1" strike="noStrike">
-              <a:latin typeface="Times New Roman"/>
+              <a:latin typeface="Arial"/>
             </a:endParaRPr>
           </a:p>
         </p:txBody>
@@ -3651,25 +3277,31 @@
       </p:grpSpPr>
       <p:sp>
         <p:nvSpPr>
-          <p:cNvPr id="78" name="TextShape 1"/>
-          <p:cNvSpPr txBox="1"/>
+          <p:cNvPr id="76" name="CustomShape 1"/>
+          <p:cNvSpPr/>
           <p:nvPr/>
         </p:nvSpPr>
         <p:spPr>
           <a:xfrm>
             <a:off x="145800" y="1269000"/>
-            <a:ext cx="5074200" cy="1184760"/>
+            <a:ext cx="5073840" cy="1184400"/>
           </a:xfrm>
           <a:prstGeom prst="rect">
             <a:avLst/>
           </a:prstGeom>
           <a:noFill/>
-          <a:ln>
+          <a:ln w="0">
             <a:noFill/>
           </a:ln>
         </p:spPr>
-        <p:txBody>
-          <a:bodyPr tIns="91440" bIns="91440" anchor="b">
+        <p:style>
+          <a:lnRef idx="0"/>
+          <a:fillRef idx="0"/>
+          <a:effectRef idx="0"/>
+          <a:fontRef idx="minor"/>
+        </p:style>
+        <p:txBody>
+          <a:bodyPr lIns="90000" rIns="90000" tIns="91440" bIns="91440" anchor="b">
             <a:normAutofit/>
           </a:bodyPr>
           <a:p>
@@ -3702,35 +3334,38 @@
               <a:t>同好会</a:t>
             </a:r>
             <a:endParaRPr b="0" lang="en-US" sz="5200" spc="-1" strike="noStrike">
-              <a:solidFill>
-                <a:srgbClr val="000000"/>
-              </a:solidFill>
-              <a:latin typeface="Arial"/>
-            </a:endParaRPr>
-          </a:p>
-        </p:txBody>
-      </p:sp>
-      <p:sp>
-        <p:nvSpPr>
-          <p:cNvPr id="79" name="TextShape 2"/>
-          <p:cNvSpPr txBox="1"/>
+              <a:latin typeface="Arial"/>
+            </a:endParaRPr>
+          </a:p>
+        </p:txBody>
+      </p:sp>
+      <p:sp>
+        <p:nvSpPr>
+          <p:cNvPr id="77" name="CustomShape 2"/>
+          <p:cNvSpPr/>
           <p:nvPr/>
         </p:nvSpPr>
         <p:spPr>
           <a:xfrm>
             <a:off x="337680" y="3229920"/>
-            <a:ext cx="4421520" cy="792360"/>
+            <a:ext cx="4421160" cy="792000"/>
           </a:xfrm>
           <a:prstGeom prst="rect">
             <a:avLst/>
           </a:prstGeom>
           <a:noFill/>
-          <a:ln>
+          <a:ln w="0">
             <a:noFill/>
           </a:ln>
         </p:spPr>
-        <p:txBody>
-          <a:bodyPr tIns="91440" bIns="91440">
+        <p:style>
+          <a:lnRef idx="0"/>
+          <a:fillRef idx="0"/>
+          <a:effectRef idx="0"/>
+          <a:fontRef idx="minor"/>
+        </p:style>
+        <p:txBody>
+          <a:bodyPr lIns="90000" rIns="90000" tIns="91440" bIns="91440">
             <a:normAutofit/>
           </a:bodyPr>
           <a:p>
@@ -3780,7 +3415,7 @@
       </p:sp>
       <p:pic>
         <p:nvPicPr>
-          <p:cNvPr id="80" name="Google Shape;56;p13" descr=""/>
+          <p:cNvPr id="78" name="Google Shape;56;p13" descr=""/>
           <p:cNvPicPr/>
           <p:nvPr/>
         </p:nvPicPr>
@@ -3791,19 +3426,19 @@
         <p:spPr>
           <a:xfrm>
             <a:off x="5097600" y="2108520"/>
-            <a:ext cx="4046040" cy="3034440"/>
-          </a:xfrm>
-          <a:prstGeom prst="rect">
-            <a:avLst/>
-          </a:prstGeom>
-          <a:ln>
+            <a:ext cx="4045680" cy="3034080"/>
+          </a:xfrm>
+          <a:prstGeom prst="rect">
+            <a:avLst/>
+          </a:prstGeom>
+          <a:ln w="0">
             <a:noFill/>
           </a:ln>
         </p:spPr>
       </p:pic>
       <p:pic>
         <p:nvPicPr>
-          <p:cNvPr id="81" name="Google Shape;57;p13" descr=""/>
+          <p:cNvPr id="79" name="Google Shape;57;p13" descr=""/>
           <p:cNvPicPr/>
           <p:nvPr/>
         </p:nvPicPr>
@@ -3814,12 +3449,12 @@
         <p:spPr>
           <a:xfrm>
             <a:off x="5097600" y="0"/>
-            <a:ext cx="4046040" cy="2697480"/>
-          </a:xfrm>
-          <a:prstGeom prst="rect">
-            <a:avLst/>
-          </a:prstGeom>
-          <a:ln>
+            <a:ext cx="4045680" cy="2697120"/>
+          </a:xfrm>
+          <a:prstGeom prst="rect">
+            <a:avLst/>
+          </a:prstGeom>
+          <a:ln w="0">
             <a:noFill/>
           </a:ln>
         </p:spPr>
@@ -3856,14 +3491,14 @@
       </p:grpSpPr>
       <p:sp>
         <p:nvSpPr>
-          <p:cNvPr id="113" name="TextShape 1"/>
-          <p:cNvSpPr txBox="1"/>
+          <p:cNvPr id="111" name="CustomShape 1"/>
+          <p:cNvSpPr/>
           <p:nvPr/>
         </p:nvSpPr>
         <p:spPr>
           <a:xfrm>
             <a:off x="0" y="0"/>
-            <a:ext cx="9143640" cy="636840"/>
+            <a:ext cx="9143280" cy="636480"/>
           </a:xfrm>
           <a:prstGeom prst="rect">
             <a:avLst/>
@@ -3888,8 +3523,14 @@
             <a:round/>
           </a:ln>
         </p:spPr>
-        <p:txBody>
-          <a:bodyPr tIns="91440" bIns="91440">
+        <p:style>
+          <a:lnRef idx="0"/>
+          <a:fillRef idx="0"/>
+          <a:effectRef idx="0"/>
+          <a:fontRef idx="minor"/>
+        </p:style>
+        <p:txBody>
+          <a:bodyPr lIns="90000" rIns="90000" tIns="91440" bIns="91440">
             <a:normAutofit/>
           </a:bodyPr>
           <a:p>
@@ -3932,35 +3573,38 @@
               <a:t>金属探知機を作ってみよう</a:t>
             </a:r>
             <a:endParaRPr b="0" lang="en-US" sz="2800" spc="-1" strike="noStrike">
-              <a:solidFill>
-                <a:srgbClr val="000000"/>
-              </a:solidFill>
-              <a:latin typeface="Arial"/>
-            </a:endParaRPr>
-          </a:p>
-        </p:txBody>
-      </p:sp>
-      <p:sp>
-        <p:nvSpPr>
-          <p:cNvPr id="114" name="TextShape 2"/>
-          <p:cNvSpPr txBox="1"/>
+              <a:latin typeface="Arial"/>
+            </a:endParaRPr>
+          </a:p>
+        </p:txBody>
+      </p:sp>
+      <p:sp>
+        <p:nvSpPr>
+          <p:cNvPr id="112" name="CustomShape 2"/>
+          <p:cNvSpPr/>
           <p:nvPr/>
         </p:nvSpPr>
         <p:spPr>
           <a:xfrm>
             <a:off x="311760" y="928800"/>
-            <a:ext cx="8520120" cy="3861360"/>
+            <a:ext cx="8519760" cy="3861000"/>
           </a:xfrm>
           <a:prstGeom prst="rect">
             <a:avLst/>
           </a:prstGeom>
           <a:noFill/>
-          <a:ln>
+          <a:ln w="0">
             <a:noFill/>
           </a:ln>
         </p:spPr>
-        <p:txBody>
-          <a:bodyPr tIns="91440" bIns="91440">
+        <p:style>
+          <a:lnRef idx="0"/>
+          <a:fillRef idx="0"/>
+          <a:effectRef idx="0"/>
+          <a:fontRef idx="minor"/>
+        </p:style>
+        <p:txBody>
+          <a:bodyPr lIns="90000" rIns="90000" tIns="91440" bIns="91440">
             <a:normAutofit/>
           </a:bodyPr>
           <a:p>
@@ -3972,10 +3616,7 @@
                 <a:tab algn="l" pos="0"/>
               </a:tabLst>
             </a:pPr>
-            <a:endParaRPr b="0" lang="en-US" sz="1400" spc="-1" strike="noStrike">
-              <a:solidFill>
-                <a:srgbClr val="000000"/>
-              </a:solidFill>
+            <a:endParaRPr b="0" lang="en-US" sz="1800" spc="-1" strike="noStrike">
               <a:latin typeface="Arial"/>
             </a:endParaRPr>
           </a:p>
@@ -3991,10 +3632,7 @@
                 <a:tab algn="l" pos="0"/>
               </a:tabLst>
             </a:pPr>
-            <a:endParaRPr b="0" lang="en-US" sz="1400" spc="-1" strike="noStrike">
-              <a:solidFill>
-                <a:srgbClr val="000000"/>
-              </a:solidFill>
+            <a:endParaRPr b="0" lang="en-US" sz="1800" spc="-1" strike="noStrike">
               <a:latin typeface="Arial"/>
             </a:endParaRPr>
           </a:p>
@@ -4010,10 +3648,7 @@
                 <a:tab algn="l" pos="0"/>
               </a:tabLst>
             </a:pPr>
-            <a:endParaRPr b="0" lang="en-US" sz="1400" spc="-1" strike="noStrike">
-              <a:solidFill>
-                <a:srgbClr val="000000"/>
-              </a:solidFill>
+            <a:endParaRPr b="0" lang="en-US" sz="1800" spc="-1" strike="noStrike">
               <a:latin typeface="Arial"/>
             </a:endParaRPr>
           </a:p>
@@ -4040,9 +3675,6 @@
               <a:t>　金属探知機を</a:t>
             </a:r>
             <a:endParaRPr b="0" lang="en-US" sz="1800" spc="-1" strike="noStrike">
-              <a:solidFill>
-                <a:srgbClr val="000000"/>
-              </a:solidFill>
               <a:latin typeface="Arial"/>
             </a:endParaRPr>
           </a:p>
@@ -4072,9 +3704,6 @@
               <a:t>　作ってみよう</a:t>
             </a:r>
             <a:endParaRPr b="0" lang="en-US" sz="1800" spc="-1" strike="noStrike">
-              <a:solidFill>
-                <a:srgbClr val="000000"/>
-              </a:solidFill>
               <a:latin typeface="Arial"/>
             </a:endParaRPr>
           </a:p>
@@ -4082,7 +3711,7 @@
       </p:sp>
       <p:pic>
         <p:nvPicPr>
-          <p:cNvPr id="115" name="Google Shape;127;p22" descr=""/>
+          <p:cNvPr id="113" name="Google Shape;127;p22" descr=""/>
           <p:cNvPicPr/>
           <p:nvPr/>
         </p:nvPicPr>
@@ -4093,12 +3722,12 @@
         <p:spPr>
           <a:xfrm>
             <a:off x="3436200" y="852840"/>
-            <a:ext cx="5508360" cy="4131000"/>
-          </a:xfrm>
-          <a:prstGeom prst="rect">
-            <a:avLst/>
-          </a:prstGeom>
-          <a:ln>
+            <a:ext cx="5508000" cy="4130640"/>
+          </a:xfrm>
+          <a:prstGeom prst="rect">
+            <a:avLst/>
+          </a:prstGeom>
+          <a:ln w="0">
             <a:noFill/>
           </a:ln>
         </p:spPr>
@@ -4135,14 +3764,14 @@
       </p:grpSpPr>
       <p:sp>
         <p:nvSpPr>
-          <p:cNvPr id="116" name="TextShape 1"/>
-          <p:cNvSpPr txBox="1"/>
+          <p:cNvPr id="114" name="CustomShape 1"/>
+          <p:cNvSpPr/>
           <p:nvPr/>
         </p:nvSpPr>
         <p:spPr>
           <a:xfrm>
             <a:off x="0" y="0"/>
-            <a:ext cx="9143640" cy="636840"/>
+            <a:ext cx="9143280" cy="636480"/>
           </a:xfrm>
           <a:prstGeom prst="rect">
             <a:avLst/>
@@ -4167,8 +3796,14 @@
             <a:round/>
           </a:ln>
         </p:spPr>
-        <p:txBody>
-          <a:bodyPr tIns="91440" bIns="91440">
+        <p:style>
+          <a:lnRef idx="0"/>
+          <a:fillRef idx="0"/>
+          <a:effectRef idx="0"/>
+          <a:fontRef idx="minor"/>
+        </p:style>
+        <p:txBody>
+          <a:bodyPr lIns="90000" rIns="90000" tIns="91440" bIns="91440">
             <a:normAutofit/>
           </a:bodyPr>
           <a:p>
@@ -4211,35 +3846,38 @@
               <a:t>金属探知機を作ってみよう</a:t>
             </a:r>
             <a:endParaRPr b="0" lang="en-US" sz="2800" spc="-1" strike="noStrike">
-              <a:solidFill>
-                <a:srgbClr val="000000"/>
-              </a:solidFill>
-              <a:latin typeface="Arial"/>
-            </a:endParaRPr>
-          </a:p>
-        </p:txBody>
-      </p:sp>
-      <p:sp>
-        <p:nvSpPr>
-          <p:cNvPr id="117" name="TextShape 2"/>
-          <p:cNvSpPr txBox="1"/>
+              <a:latin typeface="Arial"/>
+            </a:endParaRPr>
+          </a:p>
+        </p:txBody>
+      </p:sp>
+      <p:sp>
+        <p:nvSpPr>
+          <p:cNvPr id="115" name="CustomShape 2"/>
+          <p:cNvSpPr/>
           <p:nvPr/>
         </p:nvSpPr>
         <p:spPr>
           <a:xfrm>
             <a:off x="311760" y="928800"/>
-            <a:ext cx="8520120" cy="3861360"/>
+            <a:ext cx="8519760" cy="3861000"/>
           </a:xfrm>
           <a:prstGeom prst="rect">
             <a:avLst/>
           </a:prstGeom>
           <a:noFill/>
-          <a:ln>
+          <a:ln w="0">
             <a:noFill/>
           </a:ln>
         </p:spPr>
-        <p:txBody>
-          <a:bodyPr tIns="91440" bIns="91440">
+        <p:style>
+          <a:lnRef idx="0"/>
+          <a:fillRef idx="0"/>
+          <a:effectRef idx="0"/>
+          <a:fontRef idx="minor"/>
+        </p:style>
+        <p:txBody>
+          <a:bodyPr lIns="90000" rIns="90000" tIns="91440" bIns="91440">
             <a:normAutofit/>
           </a:bodyPr>
           <a:p>
@@ -4251,10 +3889,7 @@
                 <a:tab algn="l" pos="0"/>
               </a:tabLst>
             </a:pPr>
-            <a:endParaRPr b="0" lang="en-US" sz="1400" spc="-1" strike="noStrike">
-              <a:solidFill>
-                <a:srgbClr val="000000"/>
-              </a:solidFill>
+            <a:endParaRPr b="0" lang="en-US" sz="1800" spc="-1" strike="noStrike">
               <a:latin typeface="Arial"/>
             </a:endParaRPr>
           </a:p>
@@ -4303,9 +3938,6 @@
               <a:t>でコンパスを作成しました。</a:t>
             </a:r>
             <a:endParaRPr b="0" lang="en-US" sz="1800" spc="-1" strike="noStrike">
-              <a:solidFill>
-                <a:srgbClr val="000000"/>
-              </a:solidFill>
               <a:latin typeface="Arial"/>
             </a:endParaRPr>
           </a:p>
@@ -4322,9 +3954,6 @@
               </a:tabLst>
             </a:pPr>
             <a:endParaRPr b="0" lang="en-US" sz="1800" spc="-1" strike="noStrike">
-              <a:solidFill>
-                <a:srgbClr val="000000"/>
-              </a:solidFill>
               <a:latin typeface="Arial"/>
             </a:endParaRPr>
           </a:p>
@@ -4453,9 +4082,6 @@
               <a:t>方向の値が取得可能です。</a:t>
             </a:r>
             <a:endParaRPr b="0" lang="en-US" sz="1800" spc="-1" strike="noStrike">
-              <a:solidFill>
-                <a:srgbClr val="000000"/>
-              </a:solidFill>
               <a:latin typeface="Arial"/>
             </a:endParaRPr>
           </a:p>
@@ -4482,12 +4108,9 @@
                 <a:latin typeface="Arial"/>
                 <a:ea typeface="Arial"/>
               </a:rPr>
-              <a:t>　それでは、このベクトル値を取り出して磁場の値を取得しましょう。</a:t>
+              <a:t>　それでは、このベクトル値を取り出して磁場の強さを取得しましょう。</a:t>
             </a:r>
             <a:endParaRPr b="0" lang="en-US" sz="1800" spc="-1" strike="noStrike">
-              <a:solidFill>
-                <a:srgbClr val="000000"/>
-              </a:solidFill>
               <a:latin typeface="Arial"/>
             </a:endParaRPr>
           </a:p>
@@ -4525,14 +4148,14 @@
       </p:grpSpPr>
       <p:sp>
         <p:nvSpPr>
-          <p:cNvPr id="118" name="TextShape 1"/>
-          <p:cNvSpPr txBox="1"/>
+          <p:cNvPr id="116" name="CustomShape 1"/>
+          <p:cNvSpPr/>
           <p:nvPr/>
         </p:nvSpPr>
         <p:spPr>
           <a:xfrm>
             <a:off x="0" y="0"/>
-            <a:ext cx="9143640" cy="636840"/>
+            <a:ext cx="9143280" cy="636480"/>
           </a:xfrm>
           <a:prstGeom prst="rect">
             <a:avLst/>
@@ -4557,8 +4180,14 @@
             <a:round/>
           </a:ln>
         </p:spPr>
-        <p:txBody>
-          <a:bodyPr tIns="91440" bIns="91440">
+        <p:style>
+          <a:lnRef idx="0"/>
+          <a:fillRef idx="0"/>
+          <a:effectRef idx="0"/>
+          <a:fontRef idx="minor"/>
+        </p:style>
+        <p:txBody>
+          <a:bodyPr lIns="90000" rIns="90000" tIns="91440" bIns="91440">
             <a:normAutofit/>
           </a:bodyPr>
           <a:p>
@@ -4601,35 +4230,38 @@
               <a:t>金属探知機を作ってみよう</a:t>
             </a:r>
             <a:endParaRPr b="0" lang="en-US" sz="2800" spc="-1" strike="noStrike">
-              <a:solidFill>
-                <a:srgbClr val="000000"/>
-              </a:solidFill>
-              <a:latin typeface="Arial"/>
-            </a:endParaRPr>
-          </a:p>
-        </p:txBody>
-      </p:sp>
-      <p:sp>
-        <p:nvSpPr>
-          <p:cNvPr id="119" name="TextShape 2"/>
-          <p:cNvSpPr txBox="1"/>
+              <a:latin typeface="Arial"/>
+            </a:endParaRPr>
+          </a:p>
+        </p:txBody>
+      </p:sp>
+      <p:sp>
+        <p:nvSpPr>
+          <p:cNvPr id="117" name="CustomShape 2"/>
+          <p:cNvSpPr/>
           <p:nvPr/>
         </p:nvSpPr>
         <p:spPr>
           <a:xfrm>
             <a:off x="311760" y="928800"/>
-            <a:ext cx="8520120" cy="3861360"/>
+            <a:ext cx="8519760" cy="3861000"/>
           </a:xfrm>
           <a:prstGeom prst="rect">
             <a:avLst/>
           </a:prstGeom>
           <a:noFill/>
-          <a:ln>
+          <a:ln w="0">
             <a:noFill/>
           </a:ln>
         </p:spPr>
-        <p:txBody>
-          <a:bodyPr tIns="91440" bIns="91440">
+        <p:style>
+          <a:lnRef idx="0"/>
+          <a:fillRef idx="0"/>
+          <a:effectRef idx="0"/>
+          <a:fontRef idx="minor"/>
+        </p:style>
+        <p:txBody>
+          <a:bodyPr lIns="90000" rIns="90000" tIns="91440" bIns="91440">
             <a:normAutofit/>
           </a:bodyPr>
           <a:p>
@@ -4655,24 +4287,21 @@
               <a:t>code1</a:t>
             </a:r>
             <a:endParaRPr b="0" lang="en-US" sz="1800" spc="-1" strike="noStrike">
-              <a:solidFill>
-                <a:srgbClr val="000000"/>
-              </a:solidFill>
-              <a:latin typeface="Arial"/>
-            </a:endParaRPr>
-          </a:p>
-        </p:txBody>
-      </p:sp>
-      <p:sp>
-        <p:nvSpPr>
-          <p:cNvPr id="120" name="CustomShape 3"/>
+              <a:latin typeface="Arial"/>
+            </a:endParaRPr>
+          </a:p>
+        </p:txBody>
+      </p:sp>
+      <p:sp>
+        <p:nvSpPr>
+          <p:cNvPr id="118" name="CustomShape 3"/>
           <p:cNvSpPr/>
           <p:nvPr/>
         </p:nvSpPr>
         <p:spPr>
           <a:xfrm>
             <a:off x="1120680" y="806040"/>
-            <a:ext cx="7899120" cy="4083840"/>
+            <a:ext cx="7898760" cy="4083480"/>
           </a:xfrm>
           <a:prstGeom prst="bevel">
             <a:avLst>
@@ -4696,7 +4325,7 @@
           <a:fontRef idx="minor"/>
         </p:style>
         <p:txBody>
-          <a:bodyPr tIns="91440" bIns="91440" anchor="ctr">
+          <a:bodyPr lIns="90000" rIns="90000" tIns="91440" bIns="91440" anchor="ctr">
             <a:noAutofit/>
           </a:bodyPr>
           <a:p>
@@ -5114,14 +4743,14 @@
       </p:grpSpPr>
       <p:sp>
         <p:nvSpPr>
-          <p:cNvPr id="121" name="TextShape 1"/>
-          <p:cNvSpPr txBox="1"/>
+          <p:cNvPr id="119" name="CustomShape 1"/>
+          <p:cNvSpPr/>
           <p:nvPr/>
         </p:nvSpPr>
         <p:spPr>
           <a:xfrm>
             <a:off x="0" y="0"/>
-            <a:ext cx="9143640" cy="636840"/>
+            <a:ext cx="9143280" cy="636480"/>
           </a:xfrm>
           <a:prstGeom prst="rect">
             <a:avLst/>
@@ -5146,8 +4775,14 @@
             <a:round/>
           </a:ln>
         </p:spPr>
-        <p:txBody>
-          <a:bodyPr tIns="91440" bIns="91440">
+        <p:style>
+          <a:lnRef idx="0"/>
+          <a:fillRef idx="0"/>
+          <a:effectRef idx="0"/>
+          <a:fontRef idx="minor"/>
+        </p:style>
+        <p:txBody>
+          <a:bodyPr lIns="90000" rIns="90000" tIns="91440" bIns="91440">
             <a:normAutofit/>
           </a:bodyPr>
           <a:p>
@@ -5190,35 +4825,38 @@
               <a:t>金属探知機を作ってみよう</a:t>
             </a:r>
             <a:endParaRPr b="0" lang="en-US" sz="2800" spc="-1" strike="noStrike">
-              <a:solidFill>
-                <a:srgbClr val="000000"/>
-              </a:solidFill>
-              <a:latin typeface="Arial"/>
-            </a:endParaRPr>
-          </a:p>
-        </p:txBody>
-      </p:sp>
-      <p:sp>
-        <p:nvSpPr>
-          <p:cNvPr id="122" name="TextShape 2"/>
-          <p:cNvSpPr txBox="1"/>
+              <a:latin typeface="Arial"/>
+            </a:endParaRPr>
+          </a:p>
+        </p:txBody>
+      </p:sp>
+      <p:sp>
+        <p:nvSpPr>
+          <p:cNvPr id="120" name="CustomShape 2"/>
+          <p:cNvSpPr/>
           <p:nvPr/>
         </p:nvSpPr>
         <p:spPr>
           <a:xfrm>
             <a:off x="311760" y="928800"/>
-            <a:ext cx="8520120" cy="3861360"/>
+            <a:ext cx="8519760" cy="3861000"/>
           </a:xfrm>
           <a:prstGeom prst="rect">
             <a:avLst/>
           </a:prstGeom>
           <a:noFill/>
-          <a:ln>
+          <a:ln w="0">
             <a:noFill/>
           </a:ln>
         </p:spPr>
-        <p:txBody>
-          <a:bodyPr tIns="91440" bIns="91440">
+        <p:style>
+          <a:lnRef idx="0"/>
+          <a:fillRef idx="0"/>
+          <a:effectRef idx="0"/>
+          <a:fontRef idx="minor"/>
+        </p:style>
+        <p:txBody>
+          <a:bodyPr lIns="90000" rIns="90000" tIns="91440" bIns="91440">
             <a:normAutofit/>
           </a:bodyPr>
           <a:p>
@@ -5244,24 +4882,21 @@
               <a:t>code2</a:t>
             </a:r>
             <a:endParaRPr b="0" lang="en-US" sz="1800" spc="-1" strike="noStrike">
-              <a:solidFill>
-                <a:srgbClr val="000000"/>
-              </a:solidFill>
-              <a:latin typeface="Arial"/>
-            </a:endParaRPr>
-          </a:p>
-        </p:txBody>
-      </p:sp>
-      <p:sp>
-        <p:nvSpPr>
-          <p:cNvPr id="123" name="CustomShape 3"/>
+              <a:latin typeface="Arial"/>
+            </a:endParaRPr>
+          </a:p>
+        </p:txBody>
+      </p:sp>
+      <p:sp>
+        <p:nvSpPr>
+          <p:cNvPr id="121" name="CustomShape 3"/>
           <p:cNvSpPr/>
           <p:nvPr/>
         </p:nvSpPr>
         <p:spPr>
           <a:xfrm>
             <a:off x="1120680" y="806040"/>
-            <a:ext cx="7899120" cy="4083840"/>
+            <a:ext cx="7898760" cy="4083480"/>
           </a:xfrm>
           <a:prstGeom prst="bevel">
             <a:avLst>
@@ -5285,7 +4920,7 @@
           <a:fontRef idx="minor"/>
         </p:style>
         <p:txBody>
-          <a:bodyPr tIns="91440" bIns="91440" anchor="ctr">
+          <a:bodyPr lIns="90000" rIns="90000" tIns="91440" bIns="91440" anchor="ctr">
             <a:noAutofit/>
           </a:bodyPr>
           <a:p>
@@ -5823,14 +5458,14 @@
       </p:grpSpPr>
       <p:sp>
         <p:nvSpPr>
-          <p:cNvPr id="124" name="TextShape 1"/>
-          <p:cNvSpPr txBox="1"/>
+          <p:cNvPr id="122" name="CustomShape 1"/>
+          <p:cNvSpPr/>
           <p:nvPr/>
         </p:nvSpPr>
         <p:spPr>
           <a:xfrm>
             <a:off x="0" y="0"/>
-            <a:ext cx="9143640" cy="636840"/>
+            <a:ext cx="9143280" cy="636480"/>
           </a:xfrm>
           <a:prstGeom prst="rect">
             <a:avLst/>
@@ -5855,8 +5490,14 @@
             <a:round/>
           </a:ln>
         </p:spPr>
-        <p:txBody>
-          <a:bodyPr tIns="91440" bIns="91440">
+        <p:style>
+          <a:lnRef idx="0"/>
+          <a:fillRef idx="0"/>
+          <a:effectRef idx="0"/>
+          <a:fontRef idx="minor"/>
+        </p:style>
+        <p:txBody>
+          <a:bodyPr lIns="90000" rIns="90000" tIns="91440" bIns="91440">
             <a:normAutofit/>
           </a:bodyPr>
           <a:p>
@@ -5899,35 +5540,38 @@
               <a:t>次回について</a:t>
             </a:r>
             <a:endParaRPr b="0" lang="en-US" sz="2800" spc="-1" strike="noStrike">
-              <a:solidFill>
-                <a:srgbClr val="000000"/>
-              </a:solidFill>
-              <a:latin typeface="Arial"/>
-            </a:endParaRPr>
-          </a:p>
-        </p:txBody>
-      </p:sp>
-      <p:sp>
-        <p:nvSpPr>
-          <p:cNvPr id="125" name="TextShape 2"/>
-          <p:cNvSpPr txBox="1"/>
+              <a:latin typeface="Arial"/>
+            </a:endParaRPr>
+          </a:p>
+        </p:txBody>
+      </p:sp>
+      <p:sp>
+        <p:nvSpPr>
+          <p:cNvPr id="123" name="CustomShape 2"/>
+          <p:cNvSpPr/>
           <p:nvPr/>
         </p:nvSpPr>
         <p:spPr>
           <a:xfrm>
             <a:off x="311760" y="928800"/>
-            <a:ext cx="8520120" cy="3861360"/>
+            <a:ext cx="8519760" cy="3861000"/>
           </a:xfrm>
           <a:prstGeom prst="rect">
             <a:avLst/>
           </a:prstGeom>
           <a:noFill/>
-          <a:ln>
+          <a:ln w="0">
             <a:noFill/>
           </a:ln>
         </p:spPr>
-        <p:txBody>
-          <a:bodyPr tIns="91440" bIns="91440">
+        <p:style>
+          <a:lnRef idx="0"/>
+          <a:fillRef idx="0"/>
+          <a:effectRef idx="0"/>
+          <a:fontRef idx="minor"/>
+        </p:style>
+        <p:txBody>
+          <a:bodyPr lIns="90000" rIns="90000" tIns="91440" bIns="91440">
             <a:normAutofit/>
           </a:bodyPr>
           <a:p>
@@ -5939,10 +5583,7 @@
                 <a:tab algn="l" pos="0"/>
               </a:tabLst>
             </a:pPr>
-            <a:endParaRPr b="0" lang="en-US" sz="1400" spc="-1" strike="noStrike">
-              <a:solidFill>
-                <a:srgbClr val="000000"/>
-              </a:solidFill>
+            <a:endParaRPr b="0" lang="en-US" sz="1800" spc="-1" strike="noStrike">
               <a:latin typeface="Arial"/>
             </a:endParaRPr>
           </a:p>
@@ -6049,9 +5690,6 @@
               <a:t>　のデータ取得が可能に</a:t>
             </a:r>
             <a:endParaRPr b="0" lang="en-US" sz="1800" spc="-1" strike="noStrike">
-              <a:solidFill>
-                <a:srgbClr val="000000"/>
-              </a:solidFill>
               <a:latin typeface="Arial"/>
             </a:endParaRPr>
           </a:p>
@@ -6078,9 +5716,6 @@
               <a:t>なりました。これだけでも様々なことができそうですね。</a:t>
             </a:r>
             <a:endParaRPr b="0" lang="en-US" sz="1800" spc="-1" strike="noStrike">
-              <a:solidFill>
-                <a:srgbClr val="000000"/>
-              </a:solidFill>
               <a:latin typeface="Arial"/>
             </a:endParaRPr>
           </a:p>
@@ -6107,9 +5742,6 @@
               <a:t>　次回は、これらのデータを連続的に取り出して保存し、グラフ化するまでを行いたいと考えます。</a:t>
             </a:r>
             <a:endParaRPr b="0" lang="en-US" sz="1800" spc="-1" strike="noStrike">
-              <a:solidFill>
-                <a:srgbClr val="000000"/>
-              </a:solidFill>
               <a:latin typeface="Arial"/>
             </a:endParaRPr>
           </a:p>
@@ -6126,9 +5758,6 @@
               </a:tabLst>
             </a:pPr>
             <a:endParaRPr b="0" lang="en-US" sz="1800" spc="-1" strike="noStrike">
-              <a:solidFill>
-                <a:srgbClr val="000000"/>
-              </a:solidFill>
               <a:latin typeface="Arial"/>
             </a:endParaRPr>
           </a:p>
@@ -6158,9 +5787,6 @@
               <a:t>　数回先にはグループワークをやっていただくので、皆さんのアイデアを披露して下さい。</a:t>
             </a:r>
             <a:endParaRPr b="0" lang="en-US" sz="1800" spc="-1" strike="noStrike">
-              <a:solidFill>
-                <a:srgbClr val="000000"/>
-              </a:solidFill>
               <a:latin typeface="Arial"/>
             </a:endParaRPr>
           </a:p>
@@ -6198,14 +5824,14 @@
       </p:grpSpPr>
       <p:sp>
         <p:nvSpPr>
-          <p:cNvPr id="82" name="TextShape 1"/>
-          <p:cNvSpPr txBox="1"/>
+          <p:cNvPr id="80" name="CustomShape 1"/>
+          <p:cNvSpPr/>
           <p:nvPr/>
         </p:nvSpPr>
         <p:spPr>
           <a:xfrm>
             <a:off x="0" y="0"/>
-            <a:ext cx="9143640" cy="636840"/>
+            <a:ext cx="9143280" cy="636480"/>
           </a:xfrm>
           <a:prstGeom prst="rect">
             <a:avLst/>
@@ -6230,8 +5856,14 @@
             <a:round/>
           </a:ln>
         </p:spPr>
-        <p:txBody>
-          <a:bodyPr tIns="91440" bIns="91440">
+        <p:style>
+          <a:lnRef idx="0"/>
+          <a:fillRef idx="0"/>
+          <a:effectRef idx="0"/>
+          <a:fontRef idx="minor"/>
+        </p:style>
+        <p:txBody>
+          <a:bodyPr lIns="90000" rIns="90000" tIns="91440" bIns="91440">
             <a:normAutofit/>
           </a:bodyPr>
           <a:p>
@@ -6264,35 +5896,38 @@
               <a:t>Agenda</a:t>
             </a:r>
             <a:endParaRPr b="0" lang="en-US" sz="2800" spc="-1" strike="noStrike">
-              <a:solidFill>
-                <a:srgbClr val="000000"/>
-              </a:solidFill>
-              <a:latin typeface="Arial"/>
-            </a:endParaRPr>
-          </a:p>
-        </p:txBody>
-      </p:sp>
-      <p:sp>
-        <p:nvSpPr>
-          <p:cNvPr id="83" name="TextShape 2"/>
-          <p:cNvSpPr txBox="1"/>
+              <a:latin typeface="Arial"/>
+            </a:endParaRPr>
+          </a:p>
+        </p:txBody>
+      </p:sp>
+      <p:sp>
+        <p:nvSpPr>
+          <p:cNvPr id="81" name="CustomShape 2"/>
+          <p:cNvSpPr/>
           <p:nvPr/>
         </p:nvSpPr>
         <p:spPr>
           <a:xfrm>
             <a:off x="311760" y="928800"/>
-            <a:ext cx="8520120" cy="3861360"/>
+            <a:ext cx="8519760" cy="3861000"/>
           </a:xfrm>
           <a:prstGeom prst="rect">
             <a:avLst/>
           </a:prstGeom>
           <a:noFill/>
-          <a:ln>
+          <a:ln w="0">
             <a:noFill/>
           </a:ln>
         </p:spPr>
-        <p:txBody>
-          <a:bodyPr tIns="91440" bIns="91440">
+        <p:style>
+          <a:lnRef idx="0"/>
+          <a:fillRef idx="0"/>
+          <a:effectRef idx="0"/>
+          <a:fontRef idx="minor"/>
+        </p:style>
+        <p:txBody>
+          <a:bodyPr lIns="90000" rIns="90000" tIns="91440" bIns="91440">
             <a:normAutofit/>
           </a:bodyPr>
           <a:p>
@@ -6304,10 +5939,7 @@
                 <a:tab algn="l" pos="0"/>
               </a:tabLst>
             </a:pPr>
-            <a:endParaRPr b="0" lang="en-US" sz="1400" spc="-1" strike="noStrike">
-              <a:solidFill>
-                <a:srgbClr val="000000"/>
-              </a:solidFill>
+            <a:endParaRPr b="0" lang="en-US" sz="1800" spc="-1" strike="noStrike">
               <a:latin typeface="Arial"/>
             </a:endParaRPr>
           </a:p>
@@ -6323,10 +5955,7 @@
                 <a:tab algn="l" pos="0"/>
               </a:tabLst>
             </a:pPr>
-            <a:endParaRPr b="0" lang="en-US" sz="1400" spc="-1" strike="noStrike">
-              <a:solidFill>
-                <a:srgbClr val="000000"/>
-              </a:solidFill>
+            <a:endParaRPr b="0" lang="en-US" sz="1800" spc="-1" strike="noStrike">
               <a:latin typeface="Arial"/>
             </a:endParaRPr>
           </a:p>
@@ -6373,9 +6002,6 @@
               <a:t>　前回の復習</a:t>
             </a:r>
             <a:endParaRPr b="0" lang="en-US" sz="1800" spc="-1" strike="noStrike">
-              <a:solidFill>
-                <a:srgbClr val="000000"/>
-              </a:solidFill>
               <a:latin typeface="Arial"/>
             </a:endParaRPr>
           </a:p>
@@ -6442,9 +6068,6 @@
               <a:t>のコンパス機能</a:t>
             </a:r>
             <a:endParaRPr b="0" lang="en-US" sz="1800" spc="-1" strike="noStrike">
-              <a:solidFill>
-                <a:srgbClr val="000000"/>
-              </a:solidFill>
               <a:latin typeface="Arial"/>
             </a:endParaRPr>
           </a:p>
@@ -6491,9 +6114,6 @@
               <a:t>　金属探知機を作ってみよう</a:t>
             </a:r>
             <a:endParaRPr b="0" lang="en-US" sz="1800" spc="-1" strike="noStrike">
-              <a:solidFill>
-                <a:srgbClr val="000000"/>
-              </a:solidFill>
               <a:latin typeface="Arial"/>
             </a:endParaRPr>
           </a:p>
@@ -6543,9 +6163,6 @@
               <a:t>　次回について</a:t>
             </a:r>
             <a:endParaRPr b="0" lang="en-US" sz="1800" spc="-1" strike="noStrike">
-              <a:solidFill>
-                <a:srgbClr val="000000"/>
-              </a:solidFill>
               <a:latin typeface="Arial"/>
             </a:endParaRPr>
           </a:p>
@@ -6583,25 +6200,31 @@
       </p:grpSpPr>
       <p:sp>
         <p:nvSpPr>
-          <p:cNvPr id="84" name="TextShape 1"/>
-          <p:cNvSpPr txBox="1"/>
+          <p:cNvPr id="82" name="CustomShape 1"/>
+          <p:cNvSpPr/>
           <p:nvPr/>
         </p:nvSpPr>
         <p:spPr>
           <a:xfrm>
             <a:off x="276480" y="836640"/>
-            <a:ext cx="8659080" cy="4022280"/>
+            <a:ext cx="8658720" cy="4021920"/>
           </a:xfrm>
           <a:prstGeom prst="rect">
             <a:avLst/>
           </a:prstGeom>
           <a:noFill/>
-          <a:ln>
+          <a:ln w="0">
             <a:noFill/>
           </a:ln>
         </p:spPr>
-        <p:txBody>
-          <a:bodyPr tIns="91440" bIns="91440">
+        <p:style>
+          <a:lnRef idx="0"/>
+          <a:fillRef idx="0"/>
+          <a:effectRef idx="0"/>
+          <a:fontRef idx="minor"/>
+        </p:style>
+        <p:txBody>
+          <a:bodyPr lIns="90000" rIns="90000" tIns="91440" bIns="91440">
             <a:normAutofit/>
           </a:bodyPr>
           <a:p>
@@ -6613,10 +6236,7 @@
                 <a:tab algn="l" pos="0"/>
               </a:tabLst>
             </a:pPr>
-            <a:endParaRPr b="0" lang="en-US" sz="1400" spc="-1" strike="noStrike">
-              <a:solidFill>
-                <a:srgbClr val="000000"/>
-              </a:solidFill>
+            <a:endParaRPr b="0" lang="en-US" sz="1800" spc="-1" strike="noStrike">
               <a:latin typeface="Arial"/>
             </a:endParaRPr>
           </a:p>
@@ -6643,9 +6263,6 @@
               <a:t>　＜前回の実施事項＞</a:t>
             </a:r>
             <a:endParaRPr b="0" lang="en-US" sz="1800" spc="-1" strike="noStrike">
-              <a:solidFill>
-                <a:srgbClr val="000000"/>
-              </a:solidFill>
               <a:latin typeface="Arial"/>
             </a:endParaRPr>
           </a:p>
@@ -6692,9 +6309,6 @@
               <a:t>内蔵センサーからのデータ取り出し</a:t>
             </a:r>
             <a:endParaRPr b="0" lang="en-US" sz="1800" spc="-1" strike="noStrike">
-              <a:solidFill>
-                <a:srgbClr val="000000"/>
-              </a:solidFill>
               <a:latin typeface="Arial"/>
             </a:endParaRPr>
           </a:p>
@@ -6764,9 +6378,6 @@
               <a:t>ディスプレイへの表示</a:t>
             </a:r>
             <a:endParaRPr b="0" lang="en-US" sz="1800" spc="-1" strike="noStrike">
-              <a:solidFill>
-                <a:srgbClr val="000000"/>
-              </a:solidFill>
               <a:latin typeface="Arial"/>
             </a:endParaRPr>
           </a:p>
@@ -6774,7 +6385,7 @@
       </p:sp>
       <p:pic>
         <p:nvPicPr>
-          <p:cNvPr id="85" name="Google Shape;69;p15" descr=""/>
+          <p:cNvPr id="83" name="Google Shape;69;p15" descr=""/>
           <p:cNvPicPr/>
           <p:nvPr/>
         </p:nvPicPr>
@@ -6785,26 +6396,26 @@
         <p:spPr>
           <a:xfrm>
             <a:off x="6448680" y="3221640"/>
-            <a:ext cx="2525400" cy="1683360"/>
-          </a:xfrm>
-          <a:prstGeom prst="rect">
-            <a:avLst/>
-          </a:prstGeom>
-          <a:ln>
+            <a:ext cx="2525040" cy="1683000"/>
+          </a:xfrm>
+          <a:prstGeom prst="rect">
+            <a:avLst/>
+          </a:prstGeom>
+          <a:ln w="0">
             <a:noFill/>
           </a:ln>
         </p:spPr>
       </p:pic>
       <p:sp>
         <p:nvSpPr>
-          <p:cNvPr id="86" name="TextShape 2"/>
-          <p:cNvSpPr txBox="1"/>
+          <p:cNvPr id="84" name="CustomShape 2"/>
+          <p:cNvSpPr/>
           <p:nvPr/>
         </p:nvSpPr>
         <p:spPr>
           <a:xfrm>
             <a:off x="0" y="0"/>
-            <a:ext cx="9143640" cy="636840"/>
+            <a:ext cx="9143280" cy="636480"/>
           </a:xfrm>
           <a:prstGeom prst="rect">
             <a:avLst/>
@@ -6829,8 +6440,14 @@
             <a:round/>
           </a:ln>
         </p:spPr>
-        <p:txBody>
-          <a:bodyPr tIns="91440" bIns="91440">
+        <p:style>
+          <a:lnRef idx="0"/>
+          <a:fillRef idx="0"/>
+          <a:effectRef idx="0"/>
+          <a:fontRef idx="minor"/>
+        </p:style>
+        <p:txBody>
+          <a:bodyPr lIns="90000" rIns="90000" tIns="91440" bIns="91440">
             <a:normAutofit/>
           </a:bodyPr>
           <a:p>
@@ -6873,9 +6490,6 @@
               <a:t>前回の復習</a:t>
             </a:r>
             <a:endParaRPr b="0" lang="en-US" sz="2800" spc="-1" strike="noStrike">
-              <a:solidFill>
-                <a:srgbClr val="000000"/>
-              </a:solidFill>
               <a:latin typeface="Arial"/>
             </a:endParaRPr>
           </a:p>
@@ -6913,25 +6527,31 @@
       </p:grpSpPr>
       <p:sp>
         <p:nvSpPr>
-          <p:cNvPr id="87" name="TextShape 1"/>
-          <p:cNvSpPr txBox="1"/>
+          <p:cNvPr id="85" name="CustomShape 1"/>
+          <p:cNvSpPr/>
           <p:nvPr/>
         </p:nvSpPr>
         <p:spPr>
           <a:xfrm>
             <a:off x="276480" y="836640"/>
-            <a:ext cx="8659080" cy="4022280"/>
+            <a:ext cx="8658720" cy="4021920"/>
           </a:xfrm>
           <a:prstGeom prst="rect">
             <a:avLst/>
           </a:prstGeom>
           <a:noFill/>
-          <a:ln>
+          <a:ln w="0">
             <a:noFill/>
           </a:ln>
         </p:spPr>
-        <p:txBody>
-          <a:bodyPr tIns="91440" bIns="91440">
+        <p:style>
+          <a:lnRef idx="0"/>
+          <a:fillRef idx="0"/>
+          <a:effectRef idx="0"/>
+          <a:fontRef idx="minor"/>
+        </p:style>
+        <p:txBody>
+          <a:bodyPr lIns="90000" rIns="90000" tIns="91440" bIns="91440">
             <a:normAutofit/>
           </a:bodyPr>
           <a:p>
@@ -6957,24 +6577,21 @@
               <a:t>　＜気温の測定についての解説＞</a:t>
             </a:r>
             <a:endParaRPr b="0" lang="en-US" sz="1800" spc="-1" strike="noStrike">
-              <a:solidFill>
-                <a:srgbClr val="000000"/>
-              </a:solidFill>
-              <a:latin typeface="Arial"/>
-            </a:endParaRPr>
-          </a:p>
-        </p:txBody>
-      </p:sp>
-      <p:sp>
-        <p:nvSpPr>
-          <p:cNvPr id="88" name="CustomShape 2"/>
+              <a:latin typeface="Arial"/>
+            </a:endParaRPr>
+          </a:p>
+        </p:txBody>
+      </p:sp>
+      <p:sp>
+        <p:nvSpPr>
+          <p:cNvPr id="86" name="CustomShape 2"/>
           <p:cNvSpPr/>
           <p:nvPr/>
         </p:nvSpPr>
         <p:spPr>
           <a:xfrm>
             <a:off x="276480" y="1296720"/>
-            <a:ext cx="8390520" cy="3546720"/>
+            <a:ext cx="8390160" cy="3546360"/>
           </a:xfrm>
           <a:prstGeom prst="bevel">
             <a:avLst>
@@ -6998,7 +6615,7 @@
           <a:fontRef idx="minor"/>
         </p:style>
         <p:txBody>
-          <a:bodyPr tIns="91440" bIns="91440">
+          <a:bodyPr lIns="90000" rIns="90000" tIns="91440" bIns="91440">
             <a:noAutofit/>
           </a:bodyPr>
           <a:p>
@@ -7492,14 +7109,14 @@
       </p:sp>
       <p:sp>
         <p:nvSpPr>
-          <p:cNvPr id="89" name="TextShape 3"/>
-          <p:cNvSpPr txBox="1"/>
+          <p:cNvPr id="87" name="CustomShape 3"/>
+          <p:cNvSpPr/>
           <p:nvPr/>
         </p:nvSpPr>
         <p:spPr>
           <a:xfrm>
             <a:off x="0" y="0"/>
-            <a:ext cx="9143640" cy="636840"/>
+            <a:ext cx="9143280" cy="636480"/>
           </a:xfrm>
           <a:prstGeom prst="rect">
             <a:avLst/>
@@ -7524,8 +7141,14 @@
             <a:round/>
           </a:ln>
         </p:spPr>
-        <p:txBody>
-          <a:bodyPr tIns="91440" bIns="91440">
+        <p:style>
+          <a:lnRef idx="0"/>
+          <a:fillRef idx="0"/>
+          <a:effectRef idx="0"/>
+          <a:fontRef idx="minor"/>
+        </p:style>
+        <p:txBody>
+          <a:bodyPr lIns="90000" rIns="90000" tIns="91440" bIns="91440">
             <a:normAutofit/>
           </a:bodyPr>
           <a:p>
@@ -7568,9 +7191,6 @@
               <a:t>前回の復習</a:t>
             </a:r>
             <a:endParaRPr b="0" lang="en-US" sz="2800" spc="-1" strike="noStrike">
-              <a:solidFill>
-                <a:srgbClr val="000000"/>
-              </a:solidFill>
               <a:latin typeface="Arial"/>
             </a:endParaRPr>
           </a:p>
@@ -7608,25 +7228,31 @@
       </p:grpSpPr>
       <p:sp>
         <p:nvSpPr>
-          <p:cNvPr id="90" name="TextShape 1"/>
-          <p:cNvSpPr txBox="1"/>
+          <p:cNvPr id="88" name="CustomShape 1"/>
+          <p:cNvSpPr/>
           <p:nvPr/>
         </p:nvSpPr>
         <p:spPr>
           <a:xfrm>
             <a:off x="276480" y="836640"/>
-            <a:ext cx="8659080" cy="4022280"/>
+            <a:ext cx="8658720" cy="4021920"/>
           </a:xfrm>
           <a:prstGeom prst="rect">
             <a:avLst/>
           </a:prstGeom>
           <a:noFill/>
-          <a:ln>
+          <a:ln w="0">
             <a:noFill/>
           </a:ln>
         </p:spPr>
-        <p:txBody>
-          <a:bodyPr tIns="91440" bIns="91440">
+        <p:style>
+          <a:lnRef idx="0"/>
+          <a:fillRef idx="0"/>
+          <a:effectRef idx="0"/>
+          <a:fontRef idx="minor"/>
+        </p:style>
+        <p:txBody>
+          <a:bodyPr lIns="90000" rIns="90000" tIns="91440" bIns="91440">
             <a:normAutofit/>
           </a:bodyPr>
           <a:p>
@@ -7649,9 +7275,6 @@
               <a:t>　＜センサーデータの取得＞</a:t>
             </a:r>
             <a:endParaRPr b="0" lang="en-US" sz="1800" spc="-1" strike="noStrike">
-              <a:solidFill>
-                <a:srgbClr val="000000"/>
-              </a:solidFill>
               <a:latin typeface="Arial"/>
             </a:endParaRPr>
           </a:p>
@@ -7671,24 +7294,21 @@
               </a:tabLst>
             </a:pPr>
             <a:endParaRPr b="0" lang="en-US" sz="1800" spc="-1" strike="noStrike">
-              <a:solidFill>
-                <a:srgbClr val="000000"/>
-              </a:solidFill>
-              <a:latin typeface="Arial"/>
-            </a:endParaRPr>
-          </a:p>
-        </p:txBody>
-      </p:sp>
-      <p:sp>
-        <p:nvSpPr>
-          <p:cNvPr id="91" name="CustomShape 2"/>
+              <a:latin typeface="Arial"/>
+            </a:endParaRPr>
+          </a:p>
+        </p:txBody>
+      </p:sp>
+      <p:sp>
+        <p:nvSpPr>
+          <p:cNvPr id="89" name="CustomShape 2"/>
           <p:cNvSpPr/>
           <p:nvPr/>
         </p:nvSpPr>
         <p:spPr>
           <a:xfrm>
             <a:off x="568080" y="1266840"/>
-            <a:ext cx="7231320" cy="2812320"/>
+            <a:ext cx="7230960" cy="2811960"/>
           </a:xfrm>
           <a:prstGeom prst="bevel">
             <a:avLst>
@@ -7712,7 +7332,7 @@
           <a:fontRef idx="minor"/>
         </p:style>
         <p:txBody>
-          <a:bodyPr tIns="91440" bIns="91440">
+          <a:bodyPr lIns="90000" rIns="90000" tIns="91440" bIns="91440">
             <a:noAutofit/>
           </a:bodyPr>
           <a:p>
@@ -7998,14 +7618,14 @@
       </p:sp>
       <p:sp>
         <p:nvSpPr>
-          <p:cNvPr id="92" name="TextShape 3"/>
-          <p:cNvSpPr txBox="1"/>
+          <p:cNvPr id="90" name="CustomShape 3"/>
+          <p:cNvSpPr/>
           <p:nvPr/>
         </p:nvSpPr>
         <p:spPr>
           <a:xfrm>
             <a:off x="0" y="0"/>
-            <a:ext cx="9143640" cy="636840"/>
+            <a:ext cx="9143280" cy="636480"/>
           </a:xfrm>
           <a:prstGeom prst="rect">
             <a:avLst/>
@@ -8030,8 +7650,14 @@
             <a:round/>
           </a:ln>
         </p:spPr>
-        <p:txBody>
-          <a:bodyPr tIns="91440" bIns="91440">
+        <p:style>
+          <a:lnRef idx="0"/>
+          <a:fillRef idx="0"/>
+          <a:effectRef idx="0"/>
+          <a:fontRef idx="minor"/>
+        </p:style>
+        <p:txBody>
+          <a:bodyPr lIns="90000" rIns="90000" tIns="91440" bIns="91440">
             <a:normAutofit/>
           </a:bodyPr>
           <a:p>
@@ -8074,9 +7700,6 @@
               <a:t>前回の復習</a:t>
             </a:r>
             <a:endParaRPr b="0" lang="en-US" sz="2800" spc="-1" strike="noStrike">
-              <a:solidFill>
-                <a:srgbClr val="000000"/>
-              </a:solidFill>
               <a:latin typeface="Arial"/>
             </a:endParaRPr>
           </a:p>
@@ -8114,14 +7737,14 @@
       </p:grpSpPr>
       <p:sp>
         <p:nvSpPr>
-          <p:cNvPr id="93" name="TextShape 1"/>
-          <p:cNvSpPr txBox="1"/>
+          <p:cNvPr id="91" name="CustomShape 1"/>
+          <p:cNvSpPr/>
           <p:nvPr/>
         </p:nvSpPr>
         <p:spPr>
           <a:xfrm>
             <a:off x="0" y="0"/>
-            <a:ext cx="9143640" cy="636840"/>
+            <a:ext cx="9143280" cy="636480"/>
           </a:xfrm>
           <a:prstGeom prst="rect">
             <a:avLst/>
@@ -8146,8 +7769,14 @@
             <a:round/>
           </a:ln>
         </p:spPr>
-        <p:txBody>
-          <a:bodyPr tIns="91440" bIns="91440">
+        <p:style>
+          <a:lnRef idx="0"/>
+          <a:fillRef idx="0"/>
+          <a:effectRef idx="0"/>
+          <a:fontRef idx="minor"/>
+        </p:style>
+        <p:txBody>
+          <a:bodyPr lIns="90000" rIns="90000" tIns="91440" bIns="91440">
             <a:normAutofit/>
           </a:bodyPr>
           <a:p>
@@ -8190,35 +7819,38 @@
               <a:t>のコンパス機能</a:t>
             </a:r>
             <a:endParaRPr b="0" lang="en-US" sz="2800" spc="-1" strike="noStrike">
-              <a:solidFill>
-                <a:srgbClr val="000000"/>
-              </a:solidFill>
-              <a:latin typeface="Arial"/>
-            </a:endParaRPr>
-          </a:p>
-        </p:txBody>
-      </p:sp>
-      <p:sp>
-        <p:nvSpPr>
-          <p:cNvPr id="94" name="TextShape 2"/>
-          <p:cNvSpPr txBox="1"/>
+              <a:latin typeface="Arial"/>
+            </a:endParaRPr>
+          </a:p>
+        </p:txBody>
+      </p:sp>
+      <p:sp>
+        <p:nvSpPr>
+          <p:cNvPr id="92" name="CustomShape 2"/>
+          <p:cNvSpPr/>
           <p:nvPr/>
         </p:nvSpPr>
         <p:spPr>
           <a:xfrm>
             <a:off x="311760" y="928800"/>
-            <a:ext cx="8520120" cy="3861360"/>
+            <a:ext cx="8519760" cy="3861000"/>
           </a:xfrm>
           <a:prstGeom prst="rect">
             <a:avLst/>
           </a:prstGeom>
           <a:noFill/>
-          <a:ln>
+          <a:ln w="0">
             <a:noFill/>
           </a:ln>
         </p:spPr>
-        <p:txBody>
-          <a:bodyPr tIns="91440" bIns="91440">
+        <p:style>
+          <a:lnRef idx="0"/>
+          <a:fillRef idx="0"/>
+          <a:effectRef idx="0"/>
+          <a:fontRef idx="minor"/>
+        </p:style>
+        <p:txBody>
+          <a:bodyPr lIns="90000" rIns="90000" tIns="91440" bIns="91440">
             <a:normAutofit/>
           </a:bodyPr>
           <a:p>
@@ -8230,10 +7862,7 @@
                 <a:tab algn="l" pos="0"/>
               </a:tabLst>
             </a:pPr>
-            <a:endParaRPr b="0" lang="en-US" sz="1400" spc="-1" strike="noStrike">
-              <a:solidFill>
-                <a:srgbClr val="000000"/>
-              </a:solidFill>
+            <a:endParaRPr b="0" lang="en-US" sz="1800" spc="-1" strike="noStrike">
               <a:latin typeface="Arial"/>
             </a:endParaRPr>
           </a:p>
@@ -8249,10 +7878,7 @@
                 <a:tab algn="l" pos="0"/>
               </a:tabLst>
             </a:pPr>
-            <a:endParaRPr b="0" lang="en-US" sz="1400" spc="-1" strike="noStrike">
-              <a:solidFill>
-                <a:srgbClr val="000000"/>
-              </a:solidFill>
+            <a:endParaRPr b="0" lang="en-US" sz="1800" spc="-1" strike="noStrike">
               <a:latin typeface="Arial"/>
             </a:endParaRPr>
           </a:p>
@@ -8268,10 +7894,7 @@
                 <a:tab algn="l" pos="0"/>
               </a:tabLst>
             </a:pPr>
-            <a:endParaRPr b="0" lang="en-US" sz="1400" spc="-1" strike="noStrike">
-              <a:solidFill>
-                <a:srgbClr val="000000"/>
-              </a:solidFill>
+            <a:endParaRPr b="0" lang="en-US" sz="1800" spc="-1" strike="noStrike">
               <a:latin typeface="Arial"/>
             </a:endParaRPr>
           </a:p>
@@ -8298,9 +7921,6 @@
               <a:t>　コンパスを</a:t>
             </a:r>
             <a:endParaRPr b="0" lang="en-US" sz="1800" spc="-1" strike="noStrike">
-              <a:solidFill>
-                <a:srgbClr val="000000"/>
-              </a:solidFill>
               <a:latin typeface="Arial"/>
             </a:endParaRPr>
           </a:p>
@@ -8330,9 +7950,6 @@
               <a:t>　　作ってみよう</a:t>
             </a:r>
             <a:endParaRPr b="0" lang="en-US" sz="1800" spc="-1" strike="noStrike">
-              <a:solidFill>
-                <a:srgbClr val="000000"/>
-              </a:solidFill>
               <a:latin typeface="Arial"/>
             </a:endParaRPr>
           </a:p>
@@ -8340,7 +7957,7 @@
       </p:sp>
       <p:pic>
         <p:nvPicPr>
-          <p:cNvPr id="95" name="Google Shape;91;p18" descr=""/>
+          <p:cNvPr id="93" name="Google Shape;91;p18" descr=""/>
           <p:cNvPicPr/>
           <p:nvPr/>
         </p:nvPicPr>
@@ -8351,12 +7968,12 @@
         <p:spPr>
           <a:xfrm>
             <a:off x="3155040" y="991800"/>
-            <a:ext cx="5603760" cy="3735720"/>
-          </a:xfrm>
-          <a:prstGeom prst="rect">
-            <a:avLst/>
-          </a:prstGeom>
-          <a:ln>
+            <a:ext cx="5603400" cy="3735360"/>
+          </a:xfrm>
+          <a:prstGeom prst="rect">
+            <a:avLst/>
+          </a:prstGeom>
+          <a:ln w="0">
             <a:noFill/>
           </a:ln>
         </p:spPr>
@@ -8393,14 +8010,14 @@
       </p:grpSpPr>
       <p:sp>
         <p:nvSpPr>
-          <p:cNvPr id="96" name="TextShape 1"/>
-          <p:cNvSpPr txBox="1"/>
+          <p:cNvPr id="94" name="CustomShape 1"/>
+          <p:cNvSpPr/>
           <p:nvPr/>
         </p:nvSpPr>
         <p:spPr>
           <a:xfrm>
             <a:off x="0" y="0"/>
-            <a:ext cx="9143640" cy="636840"/>
+            <a:ext cx="9143280" cy="636480"/>
           </a:xfrm>
           <a:prstGeom prst="rect">
             <a:avLst/>
@@ -8425,8 +8042,14 @@
             <a:round/>
           </a:ln>
         </p:spPr>
-        <p:txBody>
-          <a:bodyPr tIns="91440" bIns="91440">
+        <p:style>
+          <a:lnRef idx="0"/>
+          <a:fillRef idx="0"/>
+          <a:effectRef idx="0"/>
+          <a:fontRef idx="minor"/>
+        </p:style>
+        <p:txBody>
+          <a:bodyPr lIns="90000" rIns="90000" tIns="91440" bIns="91440">
             <a:normAutofit/>
           </a:bodyPr>
           <a:p>
@@ -8469,35 +8092,38 @@
               <a:t>のコンパス機能</a:t>
             </a:r>
             <a:endParaRPr b="0" lang="en-US" sz="2800" spc="-1" strike="noStrike">
-              <a:solidFill>
-                <a:srgbClr val="000000"/>
-              </a:solidFill>
-              <a:latin typeface="Arial"/>
-            </a:endParaRPr>
-          </a:p>
-        </p:txBody>
-      </p:sp>
-      <p:sp>
-        <p:nvSpPr>
-          <p:cNvPr id="97" name="TextShape 2"/>
-          <p:cNvSpPr txBox="1"/>
+              <a:latin typeface="Arial"/>
+            </a:endParaRPr>
+          </a:p>
+        </p:txBody>
+      </p:sp>
+      <p:sp>
+        <p:nvSpPr>
+          <p:cNvPr id="95" name="CustomShape 2"/>
+          <p:cNvSpPr/>
           <p:nvPr/>
         </p:nvSpPr>
         <p:spPr>
           <a:xfrm>
             <a:off x="311760" y="928800"/>
-            <a:ext cx="8520120" cy="3861360"/>
+            <a:ext cx="8519760" cy="3861000"/>
           </a:xfrm>
           <a:prstGeom prst="rect">
             <a:avLst/>
           </a:prstGeom>
           <a:noFill/>
-          <a:ln>
+          <a:ln w="0">
             <a:noFill/>
           </a:ln>
         </p:spPr>
-        <p:txBody>
-          <a:bodyPr tIns="91440" bIns="91440">
+        <p:style>
+          <a:lnRef idx="0"/>
+          <a:fillRef idx="0"/>
+          <a:effectRef idx="0"/>
+          <a:fontRef idx="minor"/>
+        </p:style>
+        <p:txBody>
+          <a:bodyPr lIns="90000" rIns="90000" tIns="91440" bIns="91440">
             <a:normAutofit/>
           </a:bodyPr>
           <a:p>
@@ -8533,9 +8159,6 @@
               <a:t>のコンパス関係のセンサー位置</a:t>
             </a:r>
             <a:endParaRPr b="0" lang="en-US" sz="1800" spc="-1" strike="noStrike">
-              <a:solidFill>
-                <a:srgbClr val="000000"/>
-              </a:solidFill>
               <a:latin typeface="Arial"/>
             </a:endParaRPr>
           </a:p>
@@ -8543,38 +8166,38 @@
       </p:sp>
       <p:pic>
         <p:nvPicPr>
-          <p:cNvPr id="98" name="Google Shape;98;p19" descr=""/>
+          <p:cNvPr id="96" name="Google Shape;98;p19" descr=""/>
           <p:cNvPicPr/>
           <p:nvPr/>
         </p:nvPicPr>
         <p:blipFill>
           <a:blip r:embed="rId1"/>
-          <a:srcRect l="14261" t="0" r="13172" b="4413"/>
+          <a:srcRect l="14262" t="0" r="13170" b="4409"/>
           <a:stretch/>
         </p:blipFill>
         <p:spPr>
           <a:xfrm>
             <a:off x="1810800" y="1324440"/>
-            <a:ext cx="4284720" cy="3762720"/>
-          </a:xfrm>
-          <a:prstGeom prst="rect">
-            <a:avLst/>
-          </a:prstGeom>
-          <a:ln>
+            <a:ext cx="4284360" cy="3762360"/>
+          </a:xfrm>
+          <a:prstGeom prst="rect">
+            <a:avLst/>
+          </a:prstGeom>
+          <a:ln w="0">
             <a:noFill/>
           </a:ln>
         </p:spPr>
       </p:pic>
       <p:sp>
         <p:nvSpPr>
-          <p:cNvPr id="99" name="CustomShape 3"/>
+          <p:cNvPr id="97" name="CustomShape 3"/>
           <p:cNvSpPr/>
           <p:nvPr/>
         </p:nvSpPr>
         <p:spPr>
           <a:xfrm>
             <a:off x="4370760" y="2786400"/>
-            <a:ext cx="826920" cy="819360"/>
+            <a:ext cx="826560" cy="819000"/>
           </a:xfrm>
           <a:prstGeom prst="rect">
             <a:avLst/>
@@ -8596,14 +8219,14 @@
       </p:sp>
       <p:sp>
         <p:nvSpPr>
-          <p:cNvPr id="100" name="CustomShape 4"/>
+          <p:cNvPr id="98" name="CustomShape 4"/>
           <p:cNvSpPr/>
           <p:nvPr/>
         </p:nvSpPr>
         <p:spPr>
           <a:xfrm>
             <a:off x="5366160" y="2796480"/>
-            <a:ext cx="643320" cy="364320"/>
+            <a:ext cx="642960" cy="363960"/>
           </a:xfrm>
           <a:prstGeom prst="rect">
             <a:avLst/>
@@ -8625,14 +8248,14 @@
       </p:sp>
       <p:sp>
         <p:nvSpPr>
-          <p:cNvPr id="101" name="CustomShape 5"/>
+          <p:cNvPr id="99" name="CustomShape 5"/>
           <p:cNvSpPr/>
           <p:nvPr/>
         </p:nvSpPr>
         <p:spPr>
           <a:xfrm>
             <a:off x="5315760" y="3206160"/>
-            <a:ext cx="693720" cy="500760"/>
+            <a:ext cx="693360" cy="500400"/>
           </a:xfrm>
           <a:prstGeom prst="rect">
             <a:avLst/>
@@ -8684,14 +8307,14 @@
       </p:grpSpPr>
       <p:sp>
         <p:nvSpPr>
-          <p:cNvPr id="102" name="TextShape 1"/>
-          <p:cNvSpPr txBox="1"/>
+          <p:cNvPr id="100" name="CustomShape 1"/>
+          <p:cNvSpPr/>
           <p:nvPr/>
         </p:nvSpPr>
         <p:spPr>
           <a:xfrm>
             <a:off x="0" y="0"/>
-            <a:ext cx="9143640" cy="636840"/>
+            <a:ext cx="9143280" cy="636480"/>
           </a:xfrm>
           <a:prstGeom prst="rect">
             <a:avLst/>
@@ -8716,8 +8339,14 @@
             <a:round/>
           </a:ln>
         </p:spPr>
-        <p:txBody>
-          <a:bodyPr tIns="91440" bIns="91440">
+        <p:style>
+          <a:lnRef idx="0"/>
+          <a:fillRef idx="0"/>
+          <a:effectRef idx="0"/>
+          <a:fontRef idx="minor"/>
+        </p:style>
+        <p:txBody>
+          <a:bodyPr lIns="90000" rIns="90000" tIns="91440" bIns="91440">
             <a:normAutofit/>
           </a:bodyPr>
           <a:p>
@@ -8760,35 +8389,38 @@
               <a:t>のコンパス機能</a:t>
             </a:r>
             <a:endParaRPr b="0" lang="en-US" sz="2800" spc="-1" strike="noStrike">
-              <a:solidFill>
-                <a:srgbClr val="000000"/>
-              </a:solidFill>
-              <a:latin typeface="Arial"/>
-            </a:endParaRPr>
-          </a:p>
-        </p:txBody>
-      </p:sp>
-      <p:sp>
-        <p:nvSpPr>
-          <p:cNvPr id="103" name="TextShape 2"/>
-          <p:cNvSpPr txBox="1"/>
+              <a:latin typeface="Arial"/>
+            </a:endParaRPr>
+          </a:p>
+        </p:txBody>
+      </p:sp>
+      <p:sp>
+        <p:nvSpPr>
+          <p:cNvPr id="101" name="CustomShape 2"/>
+          <p:cNvSpPr/>
           <p:nvPr/>
         </p:nvSpPr>
         <p:spPr>
           <a:xfrm>
             <a:off x="311760" y="928800"/>
-            <a:ext cx="8520120" cy="3861360"/>
+            <a:ext cx="8519760" cy="3861000"/>
           </a:xfrm>
           <a:prstGeom prst="rect">
             <a:avLst/>
           </a:prstGeom>
           <a:noFill/>
-          <a:ln>
+          <a:ln w="0">
             <a:noFill/>
           </a:ln>
         </p:spPr>
-        <p:txBody>
-          <a:bodyPr tIns="91440" bIns="91440">
+        <p:style>
+          <a:lnRef idx="0"/>
+          <a:fillRef idx="0"/>
+          <a:effectRef idx="0"/>
+          <a:fontRef idx="minor"/>
+        </p:style>
+        <p:txBody>
+          <a:bodyPr lIns="90000" rIns="90000" tIns="91440" bIns="91440">
             <a:normAutofit/>
           </a:bodyPr>
           <a:p>
@@ -8831,9 +8463,6 @@
               <a:t>はコンパスとして使用することができます。</a:t>
             </a:r>
             <a:endParaRPr b="0" lang="en-US" sz="1800" spc="-1" strike="noStrike">
-              <a:solidFill>
-                <a:srgbClr val="000000"/>
-              </a:solidFill>
               <a:latin typeface="Arial"/>
             </a:endParaRPr>
           </a:p>
@@ -8885,9 +8514,6 @@
               <a:t>を使います。早速コードを書いてコンパスとして使ってみましょう。</a:t>
             </a:r>
             <a:endParaRPr b="0" lang="en-US" sz="1800" spc="-1" strike="noStrike">
-              <a:solidFill>
-                <a:srgbClr val="000000"/>
-              </a:solidFill>
               <a:latin typeface="Arial"/>
             </a:endParaRPr>
           </a:p>
@@ -8895,7 +8521,7 @@
       </p:sp>
       <p:pic>
         <p:nvPicPr>
-          <p:cNvPr id="104" name="Google Shape;108;p20" descr=""/>
+          <p:cNvPr id="102" name="Google Shape;108;p20" descr=""/>
           <p:cNvPicPr/>
           <p:nvPr/>
         </p:nvPicPr>
@@ -8906,26 +8532,26 @@
         <p:spPr>
           <a:xfrm>
             <a:off x="4659840" y="2364480"/>
-            <a:ext cx="3638520" cy="2425680"/>
-          </a:xfrm>
-          <a:prstGeom prst="rect">
-            <a:avLst/>
-          </a:prstGeom>
-          <a:ln>
+            <a:ext cx="3638160" cy="2425320"/>
+          </a:xfrm>
+          <a:prstGeom prst="rect">
+            <a:avLst/>
+          </a:prstGeom>
+          <a:ln w="0">
             <a:noFill/>
           </a:ln>
         </p:spPr>
       </p:pic>
       <p:sp>
         <p:nvSpPr>
-          <p:cNvPr id="105" name="CustomShape 3"/>
+          <p:cNvPr id="103" name="CustomShape 3"/>
           <p:cNvSpPr/>
           <p:nvPr/>
         </p:nvSpPr>
         <p:spPr>
           <a:xfrm flipH="1" rot="10800000">
-            <a:off x="4236840" y="2295360"/>
-            <a:ext cx="1481400" cy="1803960"/>
+            <a:off x="4236840" y="2295720"/>
+            <a:ext cx="1481040" cy="1803600"/>
           </a:xfrm>
           <a:custGeom>
             <a:avLst/>
@@ -8961,20 +8587,20 @@
       </p:sp>
       <p:sp>
         <p:nvSpPr>
-          <p:cNvPr id="106" name="CustomShape 4"/>
+          <p:cNvPr id="104" name="CustomShape 4"/>
           <p:cNvSpPr/>
           <p:nvPr/>
         </p:nvSpPr>
         <p:spPr>
           <a:xfrm>
             <a:off x="273240" y="4061160"/>
-            <a:ext cx="4555080" cy="609480"/>
+            <a:ext cx="4554720" cy="609120"/>
           </a:xfrm>
           <a:prstGeom prst="rect">
             <a:avLst/>
           </a:prstGeom>
           <a:noFill/>
-          <a:ln>
+          <a:ln w="0">
             <a:noFill/>
           </a:ln>
         </p:spPr>
@@ -8985,7 +8611,7 @@
           <a:fontRef idx="minor"/>
         </p:style>
         <p:txBody>
-          <a:bodyPr tIns="91440" bIns="91440">
+          <a:bodyPr lIns="90000" rIns="90000" tIns="91440" bIns="91440">
             <a:spAutoFit/>
           </a:bodyPr>
           <a:p>
@@ -9058,14 +8684,14 @@
       </p:sp>
       <p:sp>
         <p:nvSpPr>
-          <p:cNvPr id="107" name="CustomShape 5"/>
+          <p:cNvPr id="105" name="CustomShape 5"/>
           <p:cNvSpPr/>
           <p:nvPr/>
         </p:nvSpPr>
         <p:spPr>
           <a:xfrm rot="10800000">
-            <a:off x="3193920" y="2272320"/>
-            <a:ext cx="1043640" cy="1849680"/>
+            <a:off x="3194280" y="2272320"/>
+            <a:ext cx="1043280" cy="1849320"/>
           </a:xfrm>
           <a:custGeom>
             <a:avLst/>
@@ -9101,20 +8727,20 @@
       </p:sp>
       <p:sp>
         <p:nvSpPr>
-          <p:cNvPr id="108" name="CustomShape 6"/>
+          <p:cNvPr id="106" name="CustomShape 6"/>
           <p:cNvSpPr/>
           <p:nvPr/>
         </p:nvSpPr>
         <p:spPr>
           <a:xfrm>
             <a:off x="2395080" y="2341080"/>
-            <a:ext cx="913320" cy="457560"/>
+            <a:ext cx="912960" cy="457200"/>
           </a:xfrm>
           <a:prstGeom prst="rect">
             <a:avLst/>
           </a:prstGeom>
           <a:noFill/>
-          <a:ln>
+          <a:ln w="0">
             <a:noFill/>
           </a:ln>
         </p:spPr>
@@ -9125,7 +8751,7 @@
           <a:fontRef idx="minor"/>
         </p:style>
         <p:txBody>
-          <a:bodyPr tIns="91440" bIns="91440">
+          <a:bodyPr lIns="90000" rIns="90000" tIns="91440" bIns="91440">
             <a:spAutoFit/>
           </a:bodyPr>
           <a:p>
@@ -9155,14 +8781,14 @@
       </p:sp>
       <p:sp>
         <p:nvSpPr>
-          <p:cNvPr id="109" name="CustomShape 7"/>
+          <p:cNvPr id="107" name="CustomShape 7"/>
           <p:cNvSpPr/>
           <p:nvPr/>
         </p:nvSpPr>
         <p:spPr>
           <a:xfrm rot="19388400">
-            <a:off x="3376440" y="2980800"/>
-            <a:ext cx="1696320" cy="1396800"/>
+            <a:off x="3376080" y="2980800"/>
+            <a:ext cx="1695960" cy="1396440"/>
           </a:xfrm>
           <a:prstGeom prst="arc">
             <a:avLst>
@@ -9219,14 +8845,14 @@
       </p:grpSpPr>
       <p:sp>
         <p:nvSpPr>
-          <p:cNvPr id="110" name="TextShape 1"/>
-          <p:cNvSpPr txBox="1"/>
+          <p:cNvPr id="108" name="CustomShape 1"/>
+          <p:cNvSpPr/>
           <p:nvPr/>
         </p:nvSpPr>
         <p:spPr>
           <a:xfrm>
             <a:off x="0" y="0"/>
-            <a:ext cx="9143640" cy="636840"/>
+            <a:ext cx="9143280" cy="636480"/>
           </a:xfrm>
           <a:prstGeom prst="rect">
             <a:avLst/>
@@ -9251,8 +8877,14 @@
             <a:round/>
           </a:ln>
         </p:spPr>
-        <p:txBody>
-          <a:bodyPr tIns="91440" bIns="91440">
+        <p:style>
+          <a:lnRef idx="0"/>
+          <a:fillRef idx="0"/>
+          <a:effectRef idx="0"/>
+          <a:fontRef idx="minor"/>
+        </p:style>
+        <p:txBody>
+          <a:bodyPr lIns="90000" rIns="90000" tIns="91440" bIns="91440">
             <a:normAutofit/>
           </a:bodyPr>
           <a:p>
@@ -9295,35 +8927,38 @@
               <a:t>のコンパス機能</a:t>
             </a:r>
             <a:endParaRPr b="0" lang="en-US" sz="2800" spc="-1" strike="noStrike">
-              <a:solidFill>
-                <a:srgbClr val="000000"/>
-              </a:solidFill>
-              <a:latin typeface="Arial"/>
-            </a:endParaRPr>
-          </a:p>
-        </p:txBody>
-      </p:sp>
-      <p:sp>
-        <p:nvSpPr>
-          <p:cNvPr id="111" name="TextShape 2"/>
-          <p:cNvSpPr txBox="1"/>
+              <a:latin typeface="Arial"/>
+            </a:endParaRPr>
+          </a:p>
+        </p:txBody>
+      </p:sp>
+      <p:sp>
+        <p:nvSpPr>
+          <p:cNvPr id="109" name="CustomShape 2"/>
+          <p:cNvSpPr/>
           <p:nvPr/>
         </p:nvSpPr>
         <p:spPr>
           <a:xfrm>
             <a:off x="311760" y="928800"/>
-            <a:ext cx="8520120" cy="3861360"/>
+            <a:ext cx="8519760" cy="3861000"/>
           </a:xfrm>
           <a:prstGeom prst="rect">
             <a:avLst/>
           </a:prstGeom>
           <a:noFill/>
-          <a:ln>
+          <a:ln w="0">
             <a:noFill/>
           </a:ln>
         </p:spPr>
-        <p:txBody>
-          <a:bodyPr tIns="91440" bIns="91440">
+        <p:style>
+          <a:lnRef idx="0"/>
+          <a:fillRef idx="0"/>
+          <a:effectRef idx="0"/>
+          <a:fontRef idx="minor"/>
+        </p:style>
+        <p:txBody>
+          <a:bodyPr lIns="90000" rIns="90000" tIns="91440" bIns="91440">
             <a:normAutofit/>
           </a:bodyPr>
           <a:p>
@@ -9349,24 +8984,21 @@
               <a:t>code</a:t>
             </a:r>
             <a:endParaRPr b="0" lang="en-US" sz="1800" spc="-1" strike="noStrike">
-              <a:solidFill>
-                <a:srgbClr val="000000"/>
-              </a:solidFill>
-              <a:latin typeface="Arial"/>
-            </a:endParaRPr>
-          </a:p>
-        </p:txBody>
-      </p:sp>
-      <p:sp>
-        <p:nvSpPr>
-          <p:cNvPr id="112" name="CustomShape 3"/>
+              <a:latin typeface="Arial"/>
+            </a:endParaRPr>
+          </a:p>
+        </p:txBody>
+      </p:sp>
+      <p:sp>
+        <p:nvSpPr>
+          <p:cNvPr id="110" name="CustomShape 3"/>
           <p:cNvSpPr/>
           <p:nvPr/>
         </p:nvSpPr>
         <p:spPr>
           <a:xfrm>
             <a:off x="692640" y="1420200"/>
-            <a:ext cx="7121880" cy="3469680"/>
+            <a:ext cx="7121520" cy="3469320"/>
           </a:xfrm>
           <a:prstGeom prst="bevel">
             <a:avLst>
@@ -9390,7 +9022,7 @@
           <a:fontRef idx="minor"/>
         </p:style>
         <p:txBody>
-          <a:bodyPr tIns="91440" bIns="91440" anchor="ctr">
+          <a:bodyPr lIns="90000" rIns="90000" tIns="91440" bIns="91440" anchor="ctr">
             <a:noAutofit/>
           </a:bodyPr>
           <a:p>
